--- a/trunk/Document/SubSlide.pptx
+++ b/trunk/Document/SubSlide.pptx
@@ -304,7 +304,7 @@
           <a:p>
             <a:fld id="{F0B6B389-78ED-46BB-9F74-94E80B14C688}" type="datetimeFigureOut">
               <a:rPr lang="en-US" smtClean="0"/>
-              <a:t>8/24/2013</a:t>
+              <a:t>8/26/2013</a:t>
             </a:fld>
             <a:endParaRPr lang="en-US"/>
           </a:p>
@@ -469,7 +469,7 @@
           <a:p>
             <a:fld id="{F0B6B389-78ED-46BB-9F74-94E80B14C688}" type="datetimeFigureOut">
               <a:rPr lang="en-US" smtClean="0"/>
-              <a:t>8/24/2013</a:t>
+              <a:t>8/26/2013</a:t>
             </a:fld>
             <a:endParaRPr lang="en-US"/>
           </a:p>
@@ -644,7 +644,7 @@
           <a:p>
             <a:fld id="{F0B6B389-78ED-46BB-9F74-94E80B14C688}" type="datetimeFigureOut">
               <a:rPr lang="en-US" smtClean="0"/>
-              <a:t>8/24/2013</a:t>
+              <a:t>8/26/2013</a:t>
             </a:fld>
             <a:endParaRPr lang="en-US"/>
           </a:p>
@@ -809,7 +809,7 @@
           <a:p>
             <a:fld id="{F0B6B389-78ED-46BB-9F74-94E80B14C688}" type="datetimeFigureOut">
               <a:rPr lang="en-US" smtClean="0"/>
-              <a:t>8/24/2013</a:t>
+              <a:t>8/26/2013</a:t>
             </a:fld>
             <a:endParaRPr lang="en-US"/>
           </a:p>
@@ -1050,7 +1050,7 @@
           <a:p>
             <a:fld id="{F0B6B389-78ED-46BB-9F74-94E80B14C688}" type="datetimeFigureOut">
               <a:rPr lang="en-US" smtClean="0"/>
-              <a:t>8/24/2013</a:t>
+              <a:t>8/26/2013</a:t>
             </a:fld>
             <a:endParaRPr lang="en-US"/>
           </a:p>
@@ -1333,7 +1333,7 @@
           <a:p>
             <a:fld id="{F0B6B389-78ED-46BB-9F74-94E80B14C688}" type="datetimeFigureOut">
               <a:rPr lang="en-US" smtClean="0"/>
-              <a:t>8/24/2013</a:t>
+              <a:t>8/26/2013</a:t>
             </a:fld>
             <a:endParaRPr lang="en-US"/>
           </a:p>
@@ -1762,7 +1762,7 @@
           <a:p>
             <a:fld id="{F0B6B389-78ED-46BB-9F74-94E80B14C688}" type="datetimeFigureOut">
               <a:rPr lang="en-US" smtClean="0"/>
-              <a:t>8/24/2013</a:t>
+              <a:t>8/26/2013</a:t>
             </a:fld>
             <a:endParaRPr lang="en-US"/>
           </a:p>
@@ -1875,7 +1875,7 @@
           <a:p>
             <a:fld id="{F0B6B389-78ED-46BB-9F74-94E80B14C688}" type="datetimeFigureOut">
               <a:rPr lang="en-US" smtClean="0"/>
-              <a:t>8/24/2013</a:t>
+              <a:t>8/26/2013</a:t>
             </a:fld>
             <a:endParaRPr lang="en-US"/>
           </a:p>
@@ -1965,7 +1965,7 @@
           <a:p>
             <a:fld id="{F0B6B389-78ED-46BB-9F74-94E80B14C688}" type="datetimeFigureOut">
               <a:rPr lang="en-US" smtClean="0"/>
-              <a:t>8/24/2013</a:t>
+              <a:t>8/26/2013</a:t>
             </a:fld>
             <a:endParaRPr lang="en-US"/>
           </a:p>
@@ -2154,7 +2154,7 @@
           <a:p>
             <a:fld id="{F0B6B389-78ED-46BB-9F74-94E80B14C688}" type="datetimeFigureOut">
               <a:rPr lang="en-US" smtClean="0"/>
-              <a:t>8/24/2013</a:t>
+              <a:t>8/26/2013</a:t>
             </a:fld>
             <a:endParaRPr lang="en-US"/>
           </a:p>
@@ -2472,7 +2472,7 @@
           <a:p>
             <a:fld id="{F0B6B389-78ED-46BB-9F74-94E80B14C688}" type="datetimeFigureOut">
               <a:rPr lang="en-US" smtClean="0"/>
-              <a:t>8/24/2013</a:t>
+              <a:t>8/26/2013</a:t>
             </a:fld>
             <a:endParaRPr lang="en-US"/>
           </a:p>
@@ -2851,7 +2851,7 @@
           <a:p>
             <a:fld id="{F0B6B389-78ED-46BB-9F74-94E80B14C688}" type="datetimeFigureOut">
               <a:rPr lang="en-US" smtClean="0"/>
-              <a:t>8/24/2013</a:t>
+              <a:t>8/26/2013</a:t>
             </a:fld>
             <a:endParaRPr lang="en-US"/>
           </a:p>
@@ -3212,7 +3212,89 @@
           <a:bodyPr/>
           <a:lstStyle/>
           <a:p>
-            <a:endParaRPr lang="en-US" dirty="0"/>
+            <a:pPr lvl="1">
+              <a:lnSpc>
+                <a:spcPct val="150000"/>
+              </a:lnSpc>
+              <a:buClr>
+                <a:schemeClr val="accent1"/>
+              </a:buClr>
+              <a:buFont typeface="Wingdings" pitchFamily="2" charset="2"/>
+              <a:buChar char="§"/>
+            </a:pPr>
+            <a:r>
+              <a:rPr lang="en-US" sz="2800" dirty="0" smtClean="0"/>
+              <a:t>Using </a:t>
+            </a:r>
+            <a:r>
+              <a:rPr lang="en-US" sz="2800" dirty="0" err="1" smtClean="0"/>
+              <a:t>ajax</a:t>
+            </a:r>
+            <a:r>
+              <a:rPr lang="en-US" sz="2800" dirty="0" smtClean="0"/>
+              <a:t> to suggest event name, artist</a:t>
+            </a:r>
+          </a:p>
+          <a:p>
+            <a:pPr lvl="1">
+              <a:lnSpc>
+                <a:spcPct val="150000"/>
+              </a:lnSpc>
+              <a:buClr>
+                <a:schemeClr val="accent1"/>
+              </a:buClr>
+              <a:buFont typeface="Wingdings" pitchFamily="2" charset="2"/>
+              <a:buChar char="§"/>
+            </a:pPr>
+            <a:r>
+              <a:rPr lang="en-US" sz="2800" dirty="0" smtClean="0"/>
+              <a:t>Using Fuzzy searching </a:t>
+            </a:r>
+            <a:r>
+              <a:rPr lang="en-US" sz="2800" dirty="0" smtClean="0"/>
+              <a:t>algorithm</a:t>
+            </a:r>
+            <a:r>
+              <a:rPr lang="en-US" sz="2800" dirty="0" smtClean="0"/>
+              <a:t> to find </a:t>
+            </a:r>
+            <a:r>
+              <a:rPr lang="en-US" sz="2800" dirty="0" smtClean="0"/>
+              <a:t>approximate results</a:t>
+            </a:r>
+          </a:p>
+          <a:p>
+            <a:pPr lvl="1">
+              <a:lnSpc>
+                <a:spcPct val="150000"/>
+              </a:lnSpc>
+              <a:buClr>
+                <a:schemeClr val="accent1"/>
+              </a:buClr>
+              <a:buFont typeface="Wingdings" pitchFamily="2" charset="2"/>
+              <a:buChar char="§"/>
+            </a:pPr>
+            <a:r>
+              <a:rPr lang="en-US" sz="2800" dirty="0" smtClean="0"/>
+              <a:t>Reduce redundancy results</a:t>
+            </a:r>
+          </a:p>
+          <a:p>
+            <a:pPr lvl="1">
+              <a:lnSpc>
+                <a:spcPct val="150000"/>
+              </a:lnSpc>
+              <a:buClr>
+                <a:schemeClr val="accent1"/>
+              </a:buClr>
+              <a:buFont typeface="Wingdings" pitchFamily="2" charset="2"/>
+              <a:buChar char="§"/>
+            </a:pPr>
+            <a:r>
+              <a:rPr lang="en-US" sz="2800" dirty="0" smtClean="0"/>
+              <a:t>Sort by relevant &amp; hold date</a:t>
+            </a:r>
+            <a:endParaRPr lang="en-US" sz="2400" dirty="0"/>
           </a:p>
         </p:txBody>
       </p:sp>
@@ -5636,7 +5718,6 @@
               <a:rPr lang="en-US" dirty="0"/>
               <a:t>Ticket State </a:t>
             </a:r>
-            <a:endParaRPr lang="en-US" dirty="0"/>
           </a:p>
         </p:txBody>
       </p:sp>
@@ -6547,8 +6628,8 @@
         </p:nvSpPr>
         <p:spPr>
           <a:xfrm>
-            <a:off x="3950706" y="2693819"/>
-            <a:ext cx="894407" cy="307777"/>
+            <a:off x="3686648" y="2693819"/>
+            <a:ext cx="1158466" cy="307777"/>
           </a:xfrm>
           <a:prstGeom prst="rect">
             <a:avLst/>
@@ -6563,7 +6644,7 @@
           <a:p>
             <a:r>
               <a:rPr lang="en-US" sz="1400" b="1" dirty="0" smtClean="0"/>
-              <a:t>Edit</a:t>
+              <a:t>Admin Edit</a:t>
             </a:r>
             <a:endParaRPr lang="en-US" b="1" dirty="0"/>
           </a:p>
@@ -6577,7 +6658,7 @@
         </p:nvSpPr>
         <p:spPr>
           <a:xfrm>
-            <a:off x="7010400" y="2687405"/>
+            <a:off x="6019986" y="6096000"/>
             <a:ext cx="1524000" cy="307777"/>
           </a:xfrm>
           <a:prstGeom prst="rect">
@@ -6593,7 +6674,7 @@
           <a:p>
             <a:r>
               <a:rPr lang="en-US" sz="1400" b="1" dirty="0" smtClean="0"/>
-              <a:t>Edit</a:t>
+              <a:t>Admin Edit</a:t>
             </a:r>
             <a:endParaRPr lang="en-US" b="1" dirty="0"/>
           </a:p>
@@ -8467,7 +8548,7 @@
         </p:nvSpPr>
         <p:spPr>
           <a:xfrm>
-            <a:off x="6339736" y="4650463"/>
+            <a:off x="6339736" y="5715000"/>
             <a:ext cx="1123666" cy="609600"/>
           </a:xfrm>
           <a:prstGeom prst="roundRect">
@@ -8979,12 +9060,12 @@
         </p:nvCxnSpPr>
         <p:spPr>
           <a:xfrm rot="16200000" flipH="1">
-            <a:off x="3668275" y="2026769"/>
-            <a:ext cx="1701354" cy="4765234"/>
+            <a:off x="3136007" y="2559037"/>
+            <a:ext cx="2765891" cy="4765234"/>
           </a:xfrm>
           <a:prstGeom prst="bentConnector3">
             <a:avLst>
-              <a:gd name="adj1" fmla="val 113436"/>
+              <a:gd name="adj1" fmla="val 108265"/>
             </a:avLst>
           </a:prstGeom>
           <a:ln w="28575">
@@ -9020,8 +9101,8 @@
         </p:nvCxnSpPr>
         <p:spPr>
           <a:xfrm rot="16200000" flipH="1">
-            <a:off x="4630661" y="3246188"/>
-            <a:ext cx="1382582" cy="2035568"/>
+            <a:off x="4098393" y="3778456"/>
+            <a:ext cx="2447119" cy="2035568"/>
           </a:xfrm>
           <a:prstGeom prst="bentConnector2">
             <a:avLst/>
@@ -9060,7 +9141,7 @@
         <p:spPr>
           <a:xfrm flipH="1">
             <a:off x="7463402" y="3300583"/>
-            <a:ext cx="2029" cy="1654680"/>
+            <a:ext cx="2029" cy="2719217"/>
           </a:xfrm>
           <a:prstGeom prst="bentConnector3">
             <a:avLst>
@@ -9097,7 +9178,7 @@
         </p:nvSpPr>
         <p:spPr>
           <a:xfrm>
-            <a:off x="4423607" y="4710643"/>
+            <a:off x="4303414" y="4710643"/>
             <a:ext cx="1447800" cy="307777"/>
           </a:xfrm>
           <a:prstGeom prst="rect">
@@ -9283,6 +9364,134 @@
           </a:p>
         </p:txBody>
       </p:sp>
+      <p:sp>
+        <p:nvSpPr>
+          <p:cNvPr id="31" name="Flowchart: Connector 30"/>
+          <p:cNvSpPr/>
+          <p:nvPr/>
+        </p:nvSpPr>
+        <p:spPr>
+          <a:xfrm>
+            <a:off x="6672498" y="4478270"/>
+            <a:ext cx="458143" cy="464745"/>
+          </a:xfrm>
+          <a:prstGeom prst="flowChartConnector">
+            <a:avLst/>
+          </a:prstGeom>
+          <a:solidFill>
+            <a:schemeClr val="bg1"/>
+          </a:solidFill>
+          <a:ln>
+            <a:solidFill>
+              <a:schemeClr val="tx1"/>
+            </a:solidFill>
+          </a:ln>
+        </p:spPr>
+        <p:style>
+          <a:lnRef idx="2">
+            <a:schemeClr val="accent1">
+              <a:shade val="50000"/>
+            </a:schemeClr>
+          </a:lnRef>
+          <a:fillRef idx="1">
+            <a:schemeClr val="accent1"/>
+          </a:fillRef>
+          <a:effectRef idx="0">
+            <a:schemeClr val="accent1"/>
+          </a:effectRef>
+          <a:fontRef idx="minor">
+            <a:schemeClr val="lt1"/>
+          </a:fontRef>
+        </p:style>
+        <p:txBody>
+          <a:bodyPr rtlCol="0" anchor="ctr"/>
+          <a:lstStyle/>
+          <a:p>
+            <a:pPr algn="ctr"/>
+            <a:endParaRPr lang="en-US"/>
+          </a:p>
+        </p:txBody>
+      </p:sp>
+      <p:sp>
+        <p:nvSpPr>
+          <p:cNvPr id="32" name="Oval 31"/>
+          <p:cNvSpPr/>
+          <p:nvPr/>
+        </p:nvSpPr>
+        <p:spPr>
+          <a:xfrm>
+            <a:off x="6767276" y="4577483"/>
+            <a:ext cx="268586" cy="266320"/>
+          </a:xfrm>
+          <a:prstGeom prst="ellipse">
+            <a:avLst/>
+          </a:prstGeom>
+          <a:solidFill>
+            <a:schemeClr val="tx1"/>
+          </a:solidFill>
+        </p:spPr>
+        <p:style>
+          <a:lnRef idx="2">
+            <a:schemeClr val="dk1"/>
+          </a:lnRef>
+          <a:fillRef idx="1">
+            <a:schemeClr val="lt1"/>
+          </a:fillRef>
+          <a:effectRef idx="0">
+            <a:schemeClr val="dk1"/>
+          </a:effectRef>
+          <a:fontRef idx="minor">
+            <a:schemeClr val="dk1"/>
+          </a:fontRef>
+        </p:style>
+        <p:txBody>
+          <a:bodyPr rtlCol="0" anchor="ctr"/>
+          <a:lstStyle/>
+          <a:p>
+            <a:pPr algn="ctr"/>
+            <a:endParaRPr lang="en-US"/>
+          </a:p>
+        </p:txBody>
+      </p:sp>
+      <p:cxnSp>
+        <p:nvCxnSpPr>
+          <p:cNvPr id="8" name="Straight Arrow Connector 7"/>
+          <p:cNvCxnSpPr>
+            <a:stCxn id="13" idx="0"/>
+            <a:endCxn id="31" idx="4"/>
+          </p:cNvCxnSpPr>
+          <p:nvPr/>
+        </p:nvCxnSpPr>
+        <p:spPr>
+          <a:xfrm flipV="1">
+            <a:off x="6901569" y="4943015"/>
+            <a:ext cx="1" cy="771985"/>
+          </a:xfrm>
+          <a:prstGeom prst="straightConnector1">
+            <a:avLst/>
+          </a:prstGeom>
+          <a:ln w="28575">
+            <a:solidFill>
+              <a:schemeClr val="tx1"/>
+            </a:solidFill>
+            <a:tailEnd type="arrow"/>
+          </a:ln>
+        </p:spPr>
+        <p:style>
+          <a:lnRef idx="1">
+            <a:schemeClr val="accent1"/>
+          </a:lnRef>
+          <a:fillRef idx="0">
+            <a:schemeClr val="accent1"/>
+          </a:fillRef>
+          <a:effectRef idx="0">
+            <a:schemeClr val="accent1"/>
+          </a:effectRef>
+          <a:fontRef idx="minor">
+            <a:schemeClr val="tx1"/>
+          </a:fontRef>
+        </p:style>
+      </p:cxnSp>
     </p:spTree>
     <p:extLst>
       <p:ext uri="{BB962C8B-B14F-4D97-AF65-F5344CB8AC3E}">
@@ -10272,6 +10481,129 @@
                                         <p:cTn id="89" dur="500"/>
                                         <p:tgtEl>
                                           <p:spTgt spid="43"/>
+                                        </p:tgtEl>
+                                      </p:cBhvr>
+                                    </p:animEffect>
+                                  </p:childTnLst>
+                                </p:cTn>
+                              </p:par>
+                            </p:childTnLst>
+                          </p:cTn>
+                        </p:par>
+                      </p:childTnLst>
+                    </p:cTn>
+                  </p:par>
+                  <p:par>
+                    <p:cTn id="90" fill="hold">
+                      <p:stCondLst>
+                        <p:cond delay="indefinite"/>
+                      </p:stCondLst>
+                      <p:childTnLst>
+                        <p:par>
+                          <p:cTn id="91" fill="hold">
+                            <p:stCondLst>
+                              <p:cond delay="0"/>
+                            </p:stCondLst>
+                            <p:childTnLst>
+                              <p:par>
+                                <p:cTn id="92" presetID="10" presetClass="entr" presetSubtype="0" fill="hold" grpId="0" nodeType="clickEffect">
+                                  <p:stCondLst>
+                                    <p:cond delay="0"/>
+                                  </p:stCondLst>
+                                  <p:childTnLst>
+                                    <p:set>
+                                      <p:cBhvr>
+                                        <p:cTn id="93" dur="1" fill="hold">
+                                          <p:stCondLst>
+                                            <p:cond delay="0"/>
+                                          </p:stCondLst>
+                                        </p:cTn>
+                                        <p:tgtEl>
+                                          <p:spTgt spid="32"/>
+                                        </p:tgtEl>
+                                        <p:attrNameLst>
+                                          <p:attrName>style.visibility</p:attrName>
+                                        </p:attrNameLst>
+                                      </p:cBhvr>
+                                      <p:to>
+                                        <p:strVal val="visible"/>
+                                      </p:to>
+                                    </p:set>
+                                    <p:animEffect transition="in" filter="fade">
+                                      <p:cBhvr>
+                                        <p:cTn id="94" dur="500"/>
+                                        <p:tgtEl>
+                                          <p:spTgt spid="32"/>
+                                        </p:tgtEl>
+                                      </p:cBhvr>
+                                    </p:animEffect>
+                                  </p:childTnLst>
+                                </p:cTn>
+                              </p:par>
+                              <p:par>
+                                <p:cTn id="95" presetID="10" presetClass="entr" presetSubtype="0" fill="hold" grpId="0" nodeType="withEffect">
+                                  <p:stCondLst>
+                                    <p:cond delay="0"/>
+                                  </p:stCondLst>
+                                  <p:childTnLst>
+                                    <p:set>
+                                      <p:cBhvr>
+                                        <p:cTn id="96" dur="1" fill="hold">
+                                          <p:stCondLst>
+                                            <p:cond delay="0"/>
+                                          </p:stCondLst>
+                                        </p:cTn>
+                                        <p:tgtEl>
+                                          <p:spTgt spid="31"/>
+                                        </p:tgtEl>
+                                        <p:attrNameLst>
+                                          <p:attrName>style.visibility</p:attrName>
+                                        </p:attrNameLst>
+                                      </p:cBhvr>
+                                      <p:to>
+                                        <p:strVal val="visible"/>
+                                      </p:to>
+                                    </p:set>
+                                    <p:animEffect transition="in" filter="fade">
+                                      <p:cBhvr>
+                                        <p:cTn id="97" dur="500"/>
+                                        <p:tgtEl>
+                                          <p:spTgt spid="31"/>
+                                        </p:tgtEl>
+                                      </p:cBhvr>
+                                    </p:animEffect>
+                                  </p:childTnLst>
+                                </p:cTn>
+                              </p:par>
+                              <p:par>
+                                <p:cTn id="98" presetID="10" presetClass="entr" presetSubtype="0" fill="hold" nodeType="withEffect">
+                                  <p:stCondLst>
+                                    <p:cond delay="0"/>
+                                  </p:stCondLst>
+                                  <p:childTnLst>
+                                    <p:set>
+                                      <p:cBhvr>
+                                        <p:cTn id="99" dur="1" fill="hold">
+                                          <p:stCondLst>
+                                            <p:cond delay="0"/>
+                                          </p:stCondLst>
+                                        </p:cTn>
+                                        <p:tgtEl>
+                                          <p:spTgt spid="8"/>
+                                        </p:tgtEl>
+                                        <p:attrNameLst>
+                                          <p:attrName>style.visibility</p:attrName>
+                                        </p:attrNameLst>
+                                      </p:cBhvr>
+                                      <p:to>
+                                        <p:strVal val="visible"/>
+                                      </p:to>
+                                    </p:set>
+                                    <p:animEffect transition="in" filter="fade">
+                                      <p:cBhvr>
+                                        <p:cTn id="100" dur="500"/>
+                                        <p:tgtEl>
+                                          <p:spTgt spid="8"/>
                                         </p:tgtEl>
                                       </p:cBhvr>
                                     </p:animEffect>
@@ -10322,6 +10654,8 @@
       <p:bldP spid="122" grpId="0"/>
       <p:bldP spid="125" grpId="0"/>
       <p:bldP spid="126" grpId="0"/>
+      <p:bldP spid="31" grpId="0" animBg="1"/>
+      <p:bldP spid="32" grpId="0" animBg="1"/>
     </p:bldLst>
   </p:timing>
 </p:sld>

--- a/trunk/Document/SubSlide.pptx
+++ b/trunk/Document/SubSlide.pptx
@@ -6,9 +6,10 @@
   </p:sldMasterIdLst>
   <p:sldIdLst>
     <p:sldId id="260" r:id="rId2"/>
-    <p:sldId id="259" r:id="rId3"/>
-    <p:sldId id="257" r:id="rId4"/>
-    <p:sldId id="258" r:id="rId5"/>
+    <p:sldId id="261" r:id="rId3"/>
+    <p:sldId id="259" r:id="rId4"/>
+    <p:sldId id="257" r:id="rId5"/>
+    <p:sldId id="258" r:id="rId6"/>
   </p:sldIdLst>
   <p:sldSz cx="9144000" cy="6858000" type="screen4x3"/>
   <p:notesSz cx="6858000" cy="9144000"/>
@@ -108,6 +109,3147 @@
     </a:lvl9pPr>
   </p:defaultTextStyle>
 </p:presentation>
+</file>
+
+<file path=ppt/diagrams/colors1.xml><?xml version="1.0" encoding="utf-8"?>
+<dgm:colorsDef xmlns:dgm="http://schemas.openxmlformats.org/drawingml/2006/diagram" xmlns:a="http://schemas.openxmlformats.org/drawingml/2006/main" uniqueId="urn:microsoft.com/office/officeart/2005/8/colors/accent1_2">
+  <dgm:title val=""/>
+  <dgm:desc val=""/>
+  <dgm:catLst>
+    <dgm:cat type="accent1" pri="11200"/>
+  </dgm:catLst>
+  <dgm:styleLbl name="node0">
+    <dgm:fillClrLst meth="repeat">
+      <a:schemeClr val="accent1"/>
+    </dgm:fillClrLst>
+    <dgm:linClrLst meth="repeat">
+      <a:schemeClr val="lt1"/>
+    </dgm:linClrLst>
+    <dgm:effectClrLst/>
+    <dgm:txLinClrLst/>
+    <dgm:txFillClrLst/>
+    <dgm:txEffectClrLst/>
+  </dgm:styleLbl>
+  <dgm:styleLbl name="alignNode1">
+    <dgm:fillClrLst meth="repeat">
+      <a:schemeClr val="accent1"/>
+    </dgm:fillClrLst>
+    <dgm:linClrLst meth="repeat">
+      <a:schemeClr val="accent1"/>
+    </dgm:linClrLst>
+    <dgm:effectClrLst/>
+    <dgm:txLinClrLst/>
+    <dgm:txFillClrLst/>
+    <dgm:txEffectClrLst/>
+  </dgm:styleLbl>
+  <dgm:styleLbl name="node1">
+    <dgm:fillClrLst meth="repeat">
+      <a:schemeClr val="accent1"/>
+    </dgm:fillClrLst>
+    <dgm:linClrLst meth="repeat">
+      <a:schemeClr val="lt1"/>
+    </dgm:linClrLst>
+    <dgm:effectClrLst/>
+    <dgm:txLinClrLst/>
+    <dgm:txFillClrLst/>
+    <dgm:txEffectClrLst/>
+  </dgm:styleLbl>
+  <dgm:styleLbl name="lnNode1">
+    <dgm:fillClrLst meth="repeat">
+      <a:schemeClr val="accent1"/>
+    </dgm:fillClrLst>
+    <dgm:linClrLst meth="repeat">
+      <a:schemeClr val="lt1"/>
+    </dgm:linClrLst>
+    <dgm:effectClrLst/>
+    <dgm:txLinClrLst/>
+    <dgm:txFillClrLst/>
+    <dgm:txEffectClrLst/>
+  </dgm:styleLbl>
+  <dgm:styleLbl name="vennNode1">
+    <dgm:fillClrLst meth="repeat">
+      <a:schemeClr val="accent1">
+        <a:alpha val="50000"/>
+      </a:schemeClr>
+    </dgm:fillClrLst>
+    <dgm:linClrLst meth="repeat">
+      <a:schemeClr val="lt1"/>
+    </dgm:linClrLst>
+    <dgm:effectClrLst/>
+    <dgm:txLinClrLst/>
+    <dgm:txFillClrLst/>
+    <dgm:txEffectClrLst/>
+  </dgm:styleLbl>
+  <dgm:styleLbl name="node2">
+    <dgm:fillClrLst meth="repeat">
+      <a:schemeClr val="accent1"/>
+    </dgm:fillClrLst>
+    <dgm:linClrLst meth="repeat">
+      <a:schemeClr val="lt1"/>
+    </dgm:linClrLst>
+    <dgm:effectClrLst/>
+    <dgm:txLinClrLst/>
+    <dgm:txFillClrLst/>
+    <dgm:txEffectClrLst/>
+  </dgm:styleLbl>
+  <dgm:styleLbl name="node3">
+    <dgm:fillClrLst meth="repeat">
+      <a:schemeClr val="accent1"/>
+    </dgm:fillClrLst>
+    <dgm:linClrLst meth="repeat">
+      <a:schemeClr val="lt1"/>
+    </dgm:linClrLst>
+    <dgm:effectClrLst/>
+    <dgm:txLinClrLst/>
+    <dgm:txFillClrLst/>
+    <dgm:txEffectClrLst/>
+  </dgm:styleLbl>
+  <dgm:styleLbl name="node4">
+    <dgm:fillClrLst meth="repeat">
+      <a:schemeClr val="accent1"/>
+    </dgm:fillClrLst>
+    <dgm:linClrLst meth="repeat">
+      <a:schemeClr val="lt1"/>
+    </dgm:linClrLst>
+    <dgm:effectClrLst/>
+    <dgm:txLinClrLst/>
+    <dgm:txFillClrLst/>
+    <dgm:txEffectClrLst/>
+  </dgm:styleLbl>
+  <dgm:styleLbl name="fgImgPlace1">
+    <dgm:fillClrLst meth="repeat">
+      <a:schemeClr val="accent1">
+        <a:tint val="50000"/>
+      </a:schemeClr>
+    </dgm:fillClrLst>
+    <dgm:linClrLst meth="repeat">
+      <a:schemeClr val="lt1"/>
+    </dgm:linClrLst>
+    <dgm:effectClrLst/>
+    <dgm:txLinClrLst/>
+    <dgm:txFillClrLst meth="repeat">
+      <a:schemeClr val="lt1"/>
+    </dgm:txFillClrLst>
+    <dgm:txEffectClrLst/>
+  </dgm:styleLbl>
+  <dgm:styleLbl name="alignImgPlace1">
+    <dgm:fillClrLst meth="repeat">
+      <a:schemeClr val="accent1">
+        <a:tint val="50000"/>
+      </a:schemeClr>
+    </dgm:fillClrLst>
+    <dgm:linClrLst meth="repeat">
+      <a:schemeClr val="lt1"/>
+    </dgm:linClrLst>
+    <dgm:effectClrLst/>
+    <dgm:txLinClrLst/>
+    <dgm:txFillClrLst meth="repeat">
+      <a:schemeClr val="lt1"/>
+    </dgm:txFillClrLst>
+    <dgm:txEffectClrLst/>
+  </dgm:styleLbl>
+  <dgm:styleLbl name="bgImgPlace1">
+    <dgm:fillClrLst meth="repeat">
+      <a:schemeClr val="accent1">
+        <a:tint val="50000"/>
+      </a:schemeClr>
+    </dgm:fillClrLst>
+    <dgm:linClrLst meth="repeat">
+      <a:schemeClr val="lt1"/>
+    </dgm:linClrLst>
+    <dgm:effectClrLst/>
+    <dgm:txLinClrLst/>
+    <dgm:txFillClrLst meth="repeat">
+      <a:schemeClr val="lt1"/>
+    </dgm:txFillClrLst>
+    <dgm:txEffectClrLst/>
+  </dgm:styleLbl>
+  <dgm:styleLbl name="sibTrans2D1">
+    <dgm:fillClrLst meth="repeat">
+      <a:schemeClr val="accent1">
+        <a:tint val="60000"/>
+      </a:schemeClr>
+    </dgm:fillClrLst>
+    <dgm:linClrLst meth="repeat">
+      <a:schemeClr val="accent1">
+        <a:tint val="60000"/>
+      </a:schemeClr>
+    </dgm:linClrLst>
+    <dgm:effectClrLst/>
+    <dgm:txLinClrLst/>
+    <dgm:txFillClrLst/>
+    <dgm:txEffectClrLst/>
+  </dgm:styleLbl>
+  <dgm:styleLbl name="fgSibTrans2D1">
+    <dgm:fillClrLst meth="repeat">
+      <a:schemeClr val="accent1">
+        <a:tint val="60000"/>
+      </a:schemeClr>
+    </dgm:fillClrLst>
+    <dgm:linClrLst meth="repeat">
+      <a:schemeClr val="accent1">
+        <a:tint val="60000"/>
+      </a:schemeClr>
+    </dgm:linClrLst>
+    <dgm:effectClrLst/>
+    <dgm:txLinClrLst/>
+    <dgm:txFillClrLst/>
+    <dgm:txEffectClrLst/>
+  </dgm:styleLbl>
+  <dgm:styleLbl name="bgSibTrans2D1">
+    <dgm:fillClrLst meth="repeat">
+      <a:schemeClr val="accent1">
+        <a:tint val="60000"/>
+      </a:schemeClr>
+    </dgm:fillClrLst>
+    <dgm:linClrLst meth="repeat">
+      <a:schemeClr val="accent1">
+        <a:tint val="60000"/>
+      </a:schemeClr>
+    </dgm:linClrLst>
+    <dgm:effectClrLst/>
+    <dgm:txLinClrLst/>
+    <dgm:txFillClrLst/>
+    <dgm:txEffectClrLst/>
+  </dgm:styleLbl>
+  <dgm:styleLbl name="sibTrans1D1">
+    <dgm:fillClrLst meth="repeat">
+      <a:schemeClr val="accent1"/>
+    </dgm:fillClrLst>
+    <dgm:linClrLst meth="repeat">
+      <a:schemeClr val="accent1"/>
+    </dgm:linClrLst>
+    <dgm:effectClrLst/>
+    <dgm:txLinClrLst/>
+    <dgm:txFillClrLst meth="repeat">
+      <a:schemeClr val="tx1"/>
+    </dgm:txFillClrLst>
+    <dgm:txEffectClrLst/>
+  </dgm:styleLbl>
+  <dgm:styleLbl name="callout">
+    <dgm:fillClrLst meth="repeat">
+      <a:schemeClr val="accent1"/>
+    </dgm:fillClrLst>
+    <dgm:linClrLst meth="repeat">
+      <a:schemeClr val="accent1">
+        <a:tint val="50000"/>
+      </a:schemeClr>
+    </dgm:linClrLst>
+    <dgm:effectClrLst/>
+    <dgm:txLinClrLst/>
+    <dgm:txFillClrLst meth="repeat">
+      <a:schemeClr val="tx1"/>
+    </dgm:txFillClrLst>
+    <dgm:txEffectClrLst/>
+  </dgm:styleLbl>
+  <dgm:styleLbl name="asst0">
+    <dgm:fillClrLst meth="repeat">
+      <a:schemeClr val="accent1"/>
+    </dgm:fillClrLst>
+    <dgm:linClrLst meth="repeat">
+      <a:schemeClr val="lt1"/>
+    </dgm:linClrLst>
+    <dgm:effectClrLst/>
+    <dgm:txLinClrLst/>
+    <dgm:txFillClrLst/>
+    <dgm:txEffectClrLst/>
+  </dgm:styleLbl>
+  <dgm:styleLbl name="asst1">
+    <dgm:fillClrLst meth="repeat">
+      <a:schemeClr val="accent1"/>
+    </dgm:fillClrLst>
+    <dgm:linClrLst meth="repeat">
+      <a:schemeClr val="lt1"/>
+    </dgm:linClrLst>
+    <dgm:effectClrLst/>
+    <dgm:txLinClrLst/>
+    <dgm:txFillClrLst/>
+    <dgm:txEffectClrLst/>
+  </dgm:styleLbl>
+  <dgm:styleLbl name="asst2">
+    <dgm:fillClrLst meth="repeat">
+      <a:schemeClr val="accent1"/>
+    </dgm:fillClrLst>
+    <dgm:linClrLst meth="repeat">
+      <a:schemeClr val="lt1"/>
+    </dgm:linClrLst>
+    <dgm:effectClrLst/>
+    <dgm:txLinClrLst/>
+    <dgm:txFillClrLst/>
+    <dgm:txEffectClrLst/>
+  </dgm:styleLbl>
+  <dgm:styleLbl name="asst3">
+    <dgm:fillClrLst meth="repeat">
+      <a:schemeClr val="accent1"/>
+    </dgm:fillClrLst>
+    <dgm:linClrLst meth="repeat">
+      <a:schemeClr val="lt1"/>
+    </dgm:linClrLst>
+    <dgm:effectClrLst/>
+    <dgm:txLinClrLst/>
+    <dgm:txFillClrLst/>
+    <dgm:txEffectClrLst/>
+  </dgm:styleLbl>
+  <dgm:styleLbl name="asst4">
+    <dgm:fillClrLst meth="repeat">
+      <a:schemeClr val="accent1"/>
+    </dgm:fillClrLst>
+    <dgm:linClrLst meth="repeat">
+      <a:schemeClr val="lt1"/>
+    </dgm:linClrLst>
+    <dgm:effectClrLst/>
+    <dgm:txLinClrLst/>
+    <dgm:txFillClrLst/>
+    <dgm:txEffectClrLst/>
+  </dgm:styleLbl>
+  <dgm:styleLbl name="parChTrans2D1">
+    <dgm:fillClrLst meth="repeat">
+      <a:schemeClr val="accent1">
+        <a:tint val="60000"/>
+      </a:schemeClr>
+    </dgm:fillClrLst>
+    <dgm:linClrLst meth="repeat">
+      <a:schemeClr val="accent1">
+        <a:tint val="60000"/>
+      </a:schemeClr>
+    </dgm:linClrLst>
+    <dgm:effectClrLst/>
+    <dgm:txLinClrLst/>
+    <dgm:txFillClrLst meth="repeat">
+      <a:schemeClr val="lt1"/>
+    </dgm:txFillClrLst>
+    <dgm:txEffectClrLst/>
+  </dgm:styleLbl>
+  <dgm:styleLbl name="parChTrans2D2">
+    <dgm:fillClrLst meth="repeat">
+      <a:schemeClr val="accent1"/>
+    </dgm:fillClrLst>
+    <dgm:linClrLst meth="repeat">
+      <a:schemeClr val="accent1"/>
+    </dgm:linClrLst>
+    <dgm:effectClrLst/>
+    <dgm:txLinClrLst/>
+    <dgm:txFillClrLst meth="repeat">
+      <a:schemeClr val="lt1"/>
+    </dgm:txFillClrLst>
+    <dgm:txEffectClrLst/>
+  </dgm:styleLbl>
+  <dgm:styleLbl name="parChTrans2D3">
+    <dgm:fillClrLst meth="repeat">
+      <a:schemeClr val="accent1"/>
+    </dgm:fillClrLst>
+    <dgm:linClrLst meth="repeat">
+      <a:schemeClr val="accent1"/>
+    </dgm:linClrLst>
+    <dgm:effectClrLst/>
+    <dgm:txLinClrLst/>
+    <dgm:txFillClrLst meth="repeat">
+      <a:schemeClr val="lt1"/>
+    </dgm:txFillClrLst>
+    <dgm:txEffectClrLst/>
+  </dgm:styleLbl>
+  <dgm:styleLbl name="parChTrans2D4">
+    <dgm:fillClrLst meth="repeat">
+      <a:schemeClr val="accent1"/>
+    </dgm:fillClrLst>
+    <dgm:linClrLst meth="repeat">
+      <a:schemeClr val="accent1"/>
+    </dgm:linClrLst>
+    <dgm:effectClrLst/>
+    <dgm:txLinClrLst/>
+    <dgm:txFillClrLst meth="repeat">
+      <a:schemeClr val="lt1"/>
+    </dgm:txFillClrLst>
+    <dgm:txEffectClrLst/>
+  </dgm:styleLbl>
+  <dgm:styleLbl name="parChTrans1D1">
+    <dgm:fillClrLst meth="repeat">
+      <a:schemeClr val="accent1"/>
+    </dgm:fillClrLst>
+    <dgm:linClrLst meth="repeat">
+      <a:schemeClr val="accent1">
+        <a:shade val="60000"/>
+      </a:schemeClr>
+    </dgm:linClrLst>
+    <dgm:effectClrLst/>
+    <dgm:txLinClrLst/>
+    <dgm:txFillClrLst meth="repeat">
+      <a:schemeClr val="tx1"/>
+    </dgm:txFillClrLst>
+    <dgm:txEffectClrLst/>
+  </dgm:styleLbl>
+  <dgm:styleLbl name="parChTrans1D2">
+    <dgm:fillClrLst meth="repeat">
+      <a:schemeClr val="accent1"/>
+    </dgm:fillClrLst>
+    <dgm:linClrLst meth="repeat">
+      <a:schemeClr val="accent1">
+        <a:shade val="60000"/>
+      </a:schemeClr>
+    </dgm:linClrLst>
+    <dgm:effectClrLst/>
+    <dgm:txLinClrLst/>
+    <dgm:txFillClrLst meth="repeat">
+      <a:schemeClr val="tx1"/>
+    </dgm:txFillClrLst>
+    <dgm:txEffectClrLst/>
+  </dgm:styleLbl>
+  <dgm:styleLbl name="parChTrans1D3">
+    <dgm:fillClrLst meth="repeat">
+      <a:schemeClr val="accent1"/>
+    </dgm:fillClrLst>
+    <dgm:linClrLst meth="repeat">
+      <a:schemeClr val="accent1">
+        <a:shade val="80000"/>
+      </a:schemeClr>
+    </dgm:linClrLst>
+    <dgm:effectClrLst/>
+    <dgm:txLinClrLst/>
+    <dgm:txFillClrLst meth="repeat">
+      <a:schemeClr val="tx1"/>
+    </dgm:txFillClrLst>
+    <dgm:txEffectClrLst/>
+  </dgm:styleLbl>
+  <dgm:styleLbl name="parChTrans1D4">
+    <dgm:fillClrLst meth="repeat">
+      <a:schemeClr val="accent1"/>
+    </dgm:fillClrLst>
+    <dgm:linClrLst meth="repeat">
+      <a:schemeClr val="accent1">
+        <a:shade val="80000"/>
+      </a:schemeClr>
+    </dgm:linClrLst>
+    <dgm:effectClrLst/>
+    <dgm:txLinClrLst/>
+    <dgm:txFillClrLst meth="repeat">
+      <a:schemeClr val="tx1"/>
+    </dgm:txFillClrLst>
+    <dgm:txEffectClrLst/>
+  </dgm:styleLbl>
+  <dgm:styleLbl name="fgAcc1">
+    <dgm:fillClrLst meth="repeat">
+      <a:schemeClr val="lt1">
+        <a:alpha val="90000"/>
+      </a:schemeClr>
+    </dgm:fillClrLst>
+    <dgm:linClrLst meth="repeat">
+      <a:schemeClr val="accent1"/>
+    </dgm:linClrLst>
+    <dgm:effectClrLst/>
+    <dgm:txLinClrLst/>
+    <dgm:txFillClrLst meth="repeat">
+      <a:schemeClr val="dk1"/>
+    </dgm:txFillClrLst>
+    <dgm:txEffectClrLst/>
+  </dgm:styleLbl>
+  <dgm:styleLbl name="conFgAcc1">
+    <dgm:fillClrLst meth="repeat">
+      <a:schemeClr val="lt1">
+        <a:alpha val="90000"/>
+      </a:schemeClr>
+    </dgm:fillClrLst>
+    <dgm:linClrLst meth="repeat">
+      <a:schemeClr val="accent1"/>
+    </dgm:linClrLst>
+    <dgm:effectClrLst/>
+    <dgm:txLinClrLst/>
+    <dgm:txFillClrLst meth="repeat">
+      <a:schemeClr val="dk1"/>
+    </dgm:txFillClrLst>
+    <dgm:txEffectClrLst/>
+  </dgm:styleLbl>
+  <dgm:styleLbl name="alignAcc1">
+    <dgm:fillClrLst meth="repeat">
+      <a:schemeClr val="lt1">
+        <a:alpha val="90000"/>
+      </a:schemeClr>
+    </dgm:fillClrLst>
+    <dgm:linClrLst meth="repeat">
+      <a:schemeClr val="accent1"/>
+    </dgm:linClrLst>
+    <dgm:effectClrLst/>
+    <dgm:txLinClrLst/>
+    <dgm:txFillClrLst meth="repeat">
+      <a:schemeClr val="dk1"/>
+    </dgm:txFillClrLst>
+    <dgm:txEffectClrLst/>
+  </dgm:styleLbl>
+  <dgm:styleLbl name="trAlignAcc1">
+    <dgm:fillClrLst meth="repeat">
+      <a:schemeClr val="lt1">
+        <a:alpha val="40000"/>
+      </a:schemeClr>
+    </dgm:fillClrLst>
+    <dgm:linClrLst meth="repeat">
+      <a:schemeClr val="accent1"/>
+    </dgm:linClrLst>
+    <dgm:effectClrLst/>
+    <dgm:txLinClrLst/>
+    <dgm:txFillClrLst meth="repeat">
+      <a:schemeClr val="dk1"/>
+    </dgm:txFillClrLst>
+    <dgm:txEffectClrLst/>
+  </dgm:styleLbl>
+  <dgm:styleLbl name="bgAcc1">
+    <dgm:fillClrLst meth="repeat">
+      <a:schemeClr val="lt1">
+        <a:alpha val="90000"/>
+      </a:schemeClr>
+    </dgm:fillClrLst>
+    <dgm:linClrLst meth="repeat">
+      <a:schemeClr val="accent1"/>
+    </dgm:linClrLst>
+    <dgm:effectClrLst/>
+    <dgm:txLinClrLst/>
+    <dgm:txFillClrLst meth="repeat">
+      <a:schemeClr val="dk1"/>
+    </dgm:txFillClrLst>
+    <dgm:txEffectClrLst/>
+  </dgm:styleLbl>
+  <dgm:styleLbl name="solidFgAcc1">
+    <dgm:fillClrLst meth="repeat">
+      <a:schemeClr val="lt1"/>
+    </dgm:fillClrLst>
+    <dgm:linClrLst meth="repeat">
+      <a:schemeClr val="accent1"/>
+    </dgm:linClrLst>
+    <dgm:effectClrLst/>
+    <dgm:txLinClrLst/>
+    <dgm:txFillClrLst meth="repeat">
+      <a:schemeClr val="dk1"/>
+    </dgm:txFillClrLst>
+    <dgm:txEffectClrLst/>
+  </dgm:styleLbl>
+  <dgm:styleLbl name="solidAlignAcc1">
+    <dgm:fillClrLst meth="repeat">
+      <a:schemeClr val="lt1"/>
+    </dgm:fillClrLst>
+    <dgm:linClrLst meth="repeat">
+      <a:schemeClr val="accent1"/>
+    </dgm:linClrLst>
+    <dgm:effectClrLst/>
+    <dgm:txLinClrLst/>
+    <dgm:txFillClrLst meth="repeat">
+      <a:schemeClr val="dk1"/>
+    </dgm:txFillClrLst>
+    <dgm:txEffectClrLst/>
+  </dgm:styleLbl>
+  <dgm:styleLbl name="solidBgAcc1">
+    <dgm:fillClrLst meth="repeat">
+      <a:schemeClr val="lt1"/>
+    </dgm:fillClrLst>
+    <dgm:linClrLst meth="repeat">
+      <a:schemeClr val="accent1"/>
+    </dgm:linClrLst>
+    <dgm:effectClrLst/>
+    <dgm:txLinClrLst/>
+    <dgm:txFillClrLst meth="repeat">
+      <a:schemeClr val="dk1"/>
+    </dgm:txFillClrLst>
+    <dgm:txEffectClrLst/>
+  </dgm:styleLbl>
+  <dgm:styleLbl name="fgAccFollowNode1">
+    <dgm:fillClrLst meth="repeat">
+      <a:schemeClr val="accent1">
+        <a:alpha val="90000"/>
+        <a:tint val="40000"/>
+      </a:schemeClr>
+    </dgm:fillClrLst>
+    <dgm:linClrLst meth="repeat">
+      <a:schemeClr val="accent1">
+        <a:alpha val="90000"/>
+        <a:tint val="40000"/>
+      </a:schemeClr>
+    </dgm:linClrLst>
+    <dgm:effectClrLst/>
+    <dgm:txLinClrLst/>
+    <dgm:txFillClrLst meth="repeat">
+      <a:schemeClr val="dk1"/>
+    </dgm:txFillClrLst>
+    <dgm:txEffectClrLst/>
+  </dgm:styleLbl>
+  <dgm:styleLbl name="alignAccFollowNode1">
+    <dgm:fillClrLst meth="repeat">
+      <a:schemeClr val="accent1">
+        <a:alpha val="90000"/>
+        <a:tint val="40000"/>
+      </a:schemeClr>
+    </dgm:fillClrLst>
+    <dgm:linClrLst meth="repeat">
+      <a:schemeClr val="accent1">
+        <a:alpha val="90000"/>
+        <a:tint val="40000"/>
+      </a:schemeClr>
+    </dgm:linClrLst>
+    <dgm:effectClrLst/>
+    <dgm:txLinClrLst/>
+    <dgm:txFillClrLst meth="repeat">
+      <a:schemeClr val="dk1"/>
+    </dgm:txFillClrLst>
+    <dgm:txEffectClrLst/>
+  </dgm:styleLbl>
+  <dgm:styleLbl name="bgAccFollowNode1">
+    <dgm:fillClrLst meth="repeat">
+      <a:schemeClr val="accent1">
+        <a:alpha val="90000"/>
+        <a:tint val="40000"/>
+      </a:schemeClr>
+    </dgm:fillClrLst>
+    <dgm:linClrLst meth="repeat">
+      <a:schemeClr val="accent1">
+        <a:alpha val="90000"/>
+        <a:tint val="40000"/>
+      </a:schemeClr>
+    </dgm:linClrLst>
+    <dgm:effectClrLst/>
+    <dgm:txLinClrLst/>
+    <dgm:txFillClrLst meth="repeat">
+      <a:schemeClr val="dk1"/>
+    </dgm:txFillClrLst>
+    <dgm:txEffectClrLst/>
+  </dgm:styleLbl>
+  <dgm:styleLbl name="fgAcc0">
+    <dgm:fillClrLst meth="repeat">
+      <a:schemeClr val="lt1">
+        <a:alpha val="90000"/>
+      </a:schemeClr>
+    </dgm:fillClrLst>
+    <dgm:linClrLst meth="repeat">
+      <a:schemeClr val="accent1"/>
+    </dgm:linClrLst>
+    <dgm:effectClrLst/>
+    <dgm:txLinClrLst/>
+    <dgm:txFillClrLst meth="repeat">
+      <a:schemeClr val="dk1"/>
+    </dgm:txFillClrLst>
+    <dgm:txEffectClrLst/>
+  </dgm:styleLbl>
+  <dgm:styleLbl name="fgAcc2">
+    <dgm:fillClrLst meth="repeat">
+      <a:schemeClr val="lt1">
+        <a:alpha val="90000"/>
+      </a:schemeClr>
+    </dgm:fillClrLst>
+    <dgm:linClrLst meth="repeat">
+      <a:schemeClr val="accent1"/>
+    </dgm:linClrLst>
+    <dgm:effectClrLst/>
+    <dgm:txLinClrLst/>
+    <dgm:txFillClrLst meth="repeat">
+      <a:schemeClr val="dk1"/>
+    </dgm:txFillClrLst>
+    <dgm:txEffectClrLst/>
+  </dgm:styleLbl>
+  <dgm:styleLbl name="fgAcc3">
+    <dgm:fillClrLst meth="repeat">
+      <a:schemeClr val="lt1">
+        <a:alpha val="90000"/>
+      </a:schemeClr>
+    </dgm:fillClrLst>
+    <dgm:linClrLst meth="repeat">
+      <a:schemeClr val="accent1"/>
+    </dgm:linClrLst>
+    <dgm:effectClrLst/>
+    <dgm:txLinClrLst/>
+    <dgm:txFillClrLst meth="repeat">
+      <a:schemeClr val="dk1"/>
+    </dgm:txFillClrLst>
+    <dgm:txEffectClrLst/>
+  </dgm:styleLbl>
+  <dgm:styleLbl name="fgAcc4">
+    <dgm:fillClrLst meth="repeat">
+      <a:schemeClr val="lt1">
+        <a:alpha val="90000"/>
+      </a:schemeClr>
+    </dgm:fillClrLst>
+    <dgm:linClrLst meth="repeat">
+      <a:schemeClr val="accent1"/>
+    </dgm:linClrLst>
+    <dgm:effectClrLst/>
+    <dgm:txLinClrLst/>
+    <dgm:txFillClrLst meth="repeat">
+      <a:schemeClr val="dk1"/>
+    </dgm:txFillClrLst>
+    <dgm:txEffectClrLst/>
+  </dgm:styleLbl>
+  <dgm:styleLbl name="bgShp">
+    <dgm:fillClrLst meth="repeat">
+      <a:schemeClr val="accent1">
+        <a:tint val="40000"/>
+      </a:schemeClr>
+    </dgm:fillClrLst>
+    <dgm:linClrLst meth="repeat">
+      <a:schemeClr val="accent1"/>
+    </dgm:linClrLst>
+    <dgm:effectClrLst/>
+    <dgm:txLinClrLst/>
+    <dgm:txFillClrLst meth="repeat">
+      <a:schemeClr val="dk1"/>
+    </dgm:txFillClrLst>
+    <dgm:txEffectClrLst/>
+  </dgm:styleLbl>
+  <dgm:styleLbl name="dkBgShp">
+    <dgm:fillClrLst meth="repeat">
+      <a:schemeClr val="accent1">
+        <a:shade val="80000"/>
+      </a:schemeClr>
+    </dgm:fillClrLst>
+    <dgm:linClrLst meth="repeat">
+      <a:schemeClr val="accent1"/>
+    </dgm:linClrLst>
+    <dgm:effectClrLst/>
+    <dgm:txLinClrLst/>
+    <dgm:txFillClrLst meth="repeat">
+      <a:schemeClr val="lt1"/>
+    </dgm:txFillClrLst>
+    <dgm:txEffectClrLst/>
+  </dgm:styleLbl>
+  <dgm:styleLbl name="trBgShp">
+    <dgm:fillClrLst meth="repeat">
+      <a:schemeClr val="accent1">
+        <a:tint val="50000"/>
+        <a:alpha val="40000"/>
+      </a:schemeClr>
+    </dgm:fillClrLst>
+    <dgm:linClrLst meth="repeat">
+      <a:schemeClr val="accent1"/>
+    </dgm:linClrLst>
+    <dgm:effectClrLst/>
+    <dgm:txLinClrLst/>
+    <dgm:txFillClrLst meth="repeat">
+      <a:schemeClr val="lt1"/>
+    </dgm:txFillClrLst>
+    <dgm:txEffectClrLst/>
+  </dgm:styleLbl>
+  <dgm:styleLbl name="fgShp">
+    <dgm:fillClrLst meth="repeat">
+      <a:schemeClr val="accent1">
+        <a:tint val="60000"/>
+      </a:schemeClr>
+    </dgm:fillClrLst>
+    <dgm:linClrLst meth="repeat">
+      <a:schemeClr val="lt1"/>
+    </dgm:linClrLst>
+    <dgm:effectClrLst/>
+    <dgm:txLinClrLst/>
+    <dgm:txFillClrLst meth="repeat">
+      <a:schemeClr val="dk1"/>
+    </dgm:txFillClrLst>
+    <dgm:txEffectClrLst/>
+  </dgm:styleLbl>
+  <dgm:styleLbl name="revTx">
+    <dgm:fillClrLst meth="repeat">
+      <a:schemeClr val="lt1">
+        <a:alpha val="0"/>
+      </a:schemeClr>
+    </dgm:fillClrLst>
+    <dgm:linClrLst meth="repeat">
+      <a:schemeClr val="dk1">
+        <a:alpha val="0"/>
+      </a:schemeClr>
+    </dgm:linClrLst>
+    <dgm:effectClrLst/>
+    <dgm:txLinClrLst/>
+    <dgm:txFillClrLst meth="repeat">
+      <a:schemeClr val="tx1"/>
+    </dgm:txFillClrLst>
+    <dgm:txEffectClrLst/>
+  </dgm:styleLbl>
+</dgm:colorsDef>
+</file>
+
+<file path=ppt/diagrams/data1.xml><?xml version="1.0" encoding="utf-8"?>
+<dgm:dataModel xmlns:dgm="http://schemas.openxmlformats.org/drawingml/2006/diagram" xmlns:a="http://schemas.openxmlformats.org/drawingml/2006/main">
+  <dgm:ptLst>
+    <dgm:pt modelId="{F4E9E209-D58C-4BFE-942B-3FEDBF9708F7}" type="doc">
+      <dgm:prSet loTypeId="urn:microsoft.com/office/officeart/2005/8/layout/bProcess3" loCatId="process" qsTypeId="urn:microsoft.com/office/officeart/2005/8/quickstyle/simple1" qsCatId="simple" csTypeId="urn:microsoft.com/office/officeart/2005/8/colors/accent1_2" csCatId="accent1" phldr="1"/>
+      <dgm:spPr/>
+      <dgm:t>
+        <a:bodyPr/>
+        <a:lstStyle/>
+        <a:p>
+          <a:endParaRPr lang="en-US"/>
+        </a:p>
+      </dgm:t>
+    </dgm:pt>
+    <dgm:pt modelId="{BAD00369-7773-49C9-968F-F449E190DD2D}">
+      <dgm:prSet phldrT="[Text]" custT="1"/>
+      <dgm:spPr/>
+      <dgm:t>
+        <a:bodyPr/>
+        <a:lstStyle/>
+        <a:p>
+          <a:r>
+            <a:rPr lang="en-US" sz="1800" dirty="0" smtClean="0"/>
+            <a:t>Splits input string</a:t>
+          </a:r>
+          <a:endParaRPr lang="en-US" sz="1800" dirty="0"/>
+        </a:p>
+      </dgm:t>
+    </dgm:pt>
+    <dgm:pt modelId="{8B131897-3075-40D4-8A18-F6CEFE2777DA}" type="parTrans" cxnId="{086B3F53-0B1B-4C1F-BF8D-C727C1FEDEF7}">
+      <dgm:prSet/>
+      <dgm:spPr/>
+      <dgm:t>
+        <a:bodyPr/>
+        <a:lstStyle/>
+        <a:p>
+          <a:endParaRPr lang="en-US"/>
+        </a:p>
+      </dgm:t>
+    </dgm:pt>
+    <dgm:pt modelId="{D1429941-5290-497A-AB5A-935DF24AA9CA}" type="sibTrans" cxnId="{086B3F53-0B1B-4C1F-BF8D-C727C1FEDEF7}">
+      <dgm:prSet/>
+      <dgm:spPr/>
+      <dgm:t>
+        <a:bodyPr/>
+        <a:lstStyle/>
+        <a:p>
+          <a:endParaRPr lang="en-US"/>
+        </a:p>
+      </dgm:t>
+    </dgm:pt>
+    <dgm:pt modelId="{796C7CD1-1333-442B-845F-CA61B8EB7D46}">
+      <dgm:prSet phldrT="[Text]" custT="1"/>
+      <dgm:spPr/>
+      <dgm:t>
+        <a:bodyPr/>
+        <a:lstStyle/>
+        <a:p>
+          <a:r>
+            <a:rPr lang="en-US" sz="1800" dirty="0" smtClean="0"/>
+            <a:t>Using fuzzy to compute if </a:t>
+          </a:r>
+          <a:r>
+            <a:rPr lang="en-US" sz="1800" dirty="0" err="1" smtClean="0"/>
+            <a:t>mathch</a:t>
+          </a:r>
+          <a:r>
+            <a:rPr lang="en-US" sz="1800" dirty="0" smtClean="0"/>
+            <a:t> &gt;= 50%</a:t>
+          </a:r>
+          <a:endParaRPr lang="en-US" sz="1800" dirty="0"/>
+        </a:p>
+      </dgm:t>
+    </dgm:pt>
+    <dgm:pt modelId="{AD08C47A-7656-4CAD-B00D-6CEDAD3C9016}" type="parTrans" cxnId="{3CF1073C-4E16-4AC3-92BB-8BDD70546BEA}">
+      <dgm:prSet/>
+      <dgm:spPr/>
+      <dgm:t>
+        <a:bodyPr/>
+        <a:lstStyle/>
+        <a:p>
+          <a:endParaRPr lang="en-US"/>
+        </a:p>
+      </dgm:t>
+    </dgm:pt>
+    <dgm:pt modelId="{3FE60270-F1F8-4053-9AAD-409B4E7B9783}" type="sibTrans" cxnId="{3CF1073C-4E16-4AC3-92BB-8BDD70546BEA}">
+      <dgm:prSet/>
+      <dgm:spPr/>
+      <dgm:t>
+        <a:bodyPr/>
+        <a:lstStyle/>
+        <a:p>
+          <a:endParaRPr lang="en-US"/>
+        </a:p>
+      </dgm:t>
+    </dgm:pt>
+    <dgm:pt modelId="{7215AC10-8056-4C69-9631-0433A5C3F811}">
+      <dgm:prSet phldrT="[Text]" custT="1"/>
+      <dgm:spPr/>
+      <dgm:t>
+        <a:bodyPr/>
+        <a:lstStyle/>
+        <a:p>
+          <a:r>
+            <a:rPr lang="en-US" sz="1800" dirty="0" err="1" smtClean="0"/>
+            <a:t>ReduceRedundancy</a:t>
+          </a:r>
+          <a:endParaRPr lang="en-US" sz="1800" dirty="0"/>
+        </a:p>
+      </dgm:t>
+    </dgm:pt>
+    <dgm:pt modelId="{A79A34C9-08B2-4C2F-8187-7E06A86C87C4}" type="parTrans" cxnId="{BE580C40-53A6-4A06-87C6-5AB9AF014CC4}">
+      <dgm:prSet/>
+      <dgm:spPr/>
+      <dgm:t>
+        <a:bodyPr/>
+        <a:lstStyle/>
+        <a:p>
+          <a:endParaRPr lang="en-US"/>
+        </a:p>
+      </dgm:t>
+    </dgm:pt>
+    <dgm:pt modelId="{3E8DEB96-88E6-4A3F-84E4-B84CE8F6A851}" type="sibTrans" cxnId="{BE580C40-53A6-4A06-87C6-5AB9AF014CC4}">
+      <dgm:prSet/>
+      <dgm:spPr/>
+      <dgm:t>
+        <a:bodyPr/>
+        <a:lstStyle/>
+        <a:p>
+          <a:endParaRPr lang="en-US"/>
+        </a:p>
+      </dgm:t>
+    </dgm:pt>
+    <dgm:pt modelId="{C3604770-9BFB-4AE1-B866-46DD6398DA00}">
+      <dgm:prSet phldrT="[Text]" custT="1"/>
+      <dgm:spPr/>
+      <dgm:t>
+        <a:bodyPr/>
+        <a:lstStyle/>
+        <a:p>
+          <a:r>
+            <a:rPr lang="en-US" sz="1800" dirty="0" smtClean="0"/>
+            <a:t>Sort by </a:t>
+          </a:r>
+          <a:r>
+            <a:rPr lang="en-US" sz="1800" dirty="0" err="1" smtClean="0"/>
+            <a:t>revelant</a:t>
+          </a:r>
+          <a:endParaRPr lang="en-US" sz="1800" dirty="0"/>
+        </a:p>
+      </dgm:t>
+    </dgm:pt>
+    <dgm:pt modelId="{32B72BDC-1FE3-4034-ACCE-EC3F8066F2BB}" type="parTrans" cxnId="{8A0CFFDD-DB2C-48FB-97E2-54F8AC508F84}">
+      <dgm:prSet/>
+      <dgm:spPr/>
+      <dgm:t>
+        <a:bodyPr/>
+        <a:lstStyle/>
+        <a:p>
+          <a:endParaRPr lang="en-US"/>
+        </a:p>
+      </dgm:t>
+    </dgm:pt>
+    <dgm:pt modelId="{7597335C-5F3C-4B1F-8F97-EE4C170570CD}" type="sibTrans" cxnId="{8A0CFFDD-DB2C-48FB-97E2-54F8AC508F84}">
+      <dgm:prSet/>
+      <dgm:spPr/>
+      <dgm:t>
+        <a:bodyPr/>
+        <a:lstStyle/>
+        <a:p>
+          <a:endParaRPr lang="en-US"/>
+        </a:p>
+      </dgm:t>
+    </dgm:pt>
+    <dgm:pt modelId="{58F3C7E6-85DE-4F6C-86B8-8ADD2EDEDAA2}">
+      <dgm:prSet phldrT="[Text]" custT="1"/>
+      <dgm:spPr/>
+      <dgm:t>
+        <a:bodyPr/>
+        <a:lstStyle/>
+        <a:p>
+          <a:r>
+            <a:rPr lang="en-US" sz="1800" dirty="0" smtClean="0"/>
+            <a:t>Show results</a:t>
+          </a:r>
+          <a:endParaRPr lang="en-US" sz="1800" dirty="0"/>
+        </a:p>
+      </dgm:t>
+    </dgm:pt>
+    <dgm:pt modelId="{B3D5F29A-33F2-49D6-8B14-D965B980B1FE}" type="parTrans" cxnId="{59277E02-A90B-4430-BC2A-382B8624DC15}">
+      <dgm:prSet/>
+      <dgm:spPr/>
+      <dgm:t>
+        <a:bodyPr/>
+        <a:lstStyle/>
+        <a:p>
+          <a:endParaRPr lang="en-US"/>
+        </a:p>
+      </dgm:t>
+    </dgm:pt>
+    <dgm:pt modelId="{B9D204DF-ACAA-4AC9-8023-0F16476F9D4D}" type="sibTrans" cxnId="{59277E02-A90B-4430-BC2A-382B8624DC15}">
+      <dgm:prSet/>
+      <dgm:spPr/>
+      <dgm:t>
+        <a:bodyPr/>
+        <a:lstStyle/>
+        <a:p>
+          <a:endParaRPr lang="en-US"/>
+        </a:p>
+      </dgm:t>
+    </dgm:pt>
+    <dgm:pt modelId="{BA44ABD0-ED48-4474-B771-245BCB8EED0C}" type="pres">
+      <dgm:prSet presAssocID="{F4E9E209-D58C-4BFE-942B-3FEDBF9708F7}" presName="Name0" presStyleCnt="0">
+        <dgm:presLayoutVars>
+          <dgm:dir/>
+          <dgm:resizeHandles val="exact"/>
+        </dgm:presLayoutVars>
+      </dgm:prSet>
+      <dgm:spPr/>
+      <dgm:t>
+        <a:bodyPr/>
+        <a:lstStyle/>
+        <a:p>
+          <a:endParaRPr lang="en-US"/>
+        </a:p>
+      </dgm:t>
+    </dgm:pt>
+    <dgm:pt modelId="{D17B726D-4BF1-4B7A-B01B-F4CFBFFE8E92}" type="pres">
+      <dgm:prSet presAssocID="{BAD00369-7773-49C9-968F-F449E190DD2D}" presName="node" presStyleLbl="node1" presStyleIdx="0" presStyleCnt="5">
+        <dgm:presLayoutVars>
+          <dgm:bulletEnabled val="1"/>
+        </dgm:presLayoutVars>
+      </dgm:prSet>
+      <dgm:spPr/>
+      <dgm:t>
+        <a:bodyPr/>
+        <a:lstStyle/>
+        <a:p>
+          <a:endParaRPr lang="en-US"/>
+        </a:p>
+      </dgm:t>
+    </dgm:pt>
+    <dgm:pt modelId="{0F736657-134E-4C4C-BDB6-FE75E48FDC2D}" type="pres">
+      <dgm:prSet presAssocID="{D1429941-5290-497A-AB5A-935DF24AA9CA}" presName="sibTrans" presStyleLbl="sibTrans1D1" presStyleIdx="0" presStyleCnt="4"/>
+      <dgm:spPr/>
+      <dgm:t>
+        <a:bodyPr/>
+        <a:lstStyle/>
+        <a:p>
+          <a:endParaRPr lang="en-US"/>
+        </a:p>
+      </dgm:t>
+    </dgm:pt>
+    <dgm:pt modelId="{23A55A3F-61DD-4E5A-A26B-60778A6E28B9}" type="pres">
+      <dgm:prSet presAssocID="{D1429941-5290-497A-AB5A-935DF24AA9CA}" presName="connectorText" presStyleLbl="sibTrans1D1" presStyleIdx="0" presStyleCnt="4"/>
+      <dgm:spPr/>
+      <dgm:t>
+        <a:bodyPr/>
+        <a:lstStyle/>
+        <a:p>
+          <a:endParaRPr lang="en-US"/>
+        </a:p>
+      </dgm:t>
+    </dgm:pt>
+    <dgm:pt modelId="{4AB946DC-2D10-4304-A5F4-56962390CA6E}" type="pres">
+      <dgm:prSet presAssocID="{796C7CD1-1333-442B-845F-CA61B8EB7D46}" presName="node" presStyleLbl="node1" presStyleIdx="1" presStyleCnt="5">
+        <dgm:presLayoutVars>
+          <dgm:bulletEnabled val="1"/>
+        </dgm:presLayoutVars>
+      </dgm:prSet>
+      <dgm:spPr/>
+      <dgm:t>
+        <a:bodyPr/>
+        <a:lstStyle/>
+        <a:p>
+          <a:endParaRPr lang="en-US"/>
+        </a:p>
+      </dgm:t>
+    </dgm:pt>
+    <dgm:pt modelId="{0C42D59A-1E3B-4B97-8E6A-3443B34552A6}" type="pres">
+      <dgm:prSet presAssocID="{3FE60270-F1F8-4053-9AAD-409B4E7B9783}" presName="sibTrans" presStyleLbl="sibTrans1D1" presStyleIdx="1" presStyleCnt="4"/>
+      <dgm:spPr/>
+      <dgm:t>
+        <a:bodyPr/>
+        <a:lstStyle/>
+        <a:p>
+          <a:endParaRPr lang="en-US"/>
+        </a:p>
+      </dgm:t>
+    </dgm:pt>
+    <dgm:pt modelId="{D90BDDDE-2120-4AD7-BBB4-B1CEE5F0C1DF}" type="pres">
+      <dgm:prSet presAssocID="{3FE60270-F1F8-4053-9AAD-409B4E7B9783}" presName="connectorText" presStyleLbl="sibTrans1D1" presStyleIdx="1" presStyleCnt="4"/>
+      <dgm:spPr/>
+      <dgm:t>
+        <a:bodyPr/>
+        <a:lstStyle/>
+        <a:p>
+          <a:endParaRPr lang="en-US"/>
+        </a:p>
+      </dgm:t>
+    </dgm:pt>
+    <dgm:pt modelId="{5B0D999D-EE65-46E9-8790-6F60D78B14B9}" type="pres">
+      <dgm:prSet presAssocID="{7215AC10-8056-4C69-9631-0433A5C3F811}" presName="node" presStyleLbl="node1" presStyleIdx="2" presStyleCnt="5">
+        <dgm:presLayoutVars>
+          <dgm:bulletEnabled val="1"/>
+        </dgm:presLayoutVars>
+      </dgm:prSet>
+      <dgm:spPr/>
+      <dgm:t>
+        <a:bodyPr/>
+        <a:lstStyle/>
+        <a:p>
+          <a:endParaRPr lang="en-US"/>
+        </a:p>
+      </dgm:t>
+    </dgm:pt>
+    <dgm:pt modelId="{DAB9BAE2-88EC-472D-BCEE-F89B782392CE}" type="pres">
+      <dgm:prSet presAssocID="{3E8DEB96-88E6-4A3F-84E4-B84CE8F6A851}" presName="sibTrans" presStyleLbl="sibTrans1D1" presStyleIdx="2" presStyleCnt="4"/>
+      <dgm:spPr/>
+      <dgm:t>
+        <a:bodyPr/>
+        <a:lstStyle/>
+        <a:p>
+          <a:endParaRPr lang="en-US"/>
+        </a:p>
+      </dgm:t>
+    </dgm:pt>
+    <dgm:pt modelId="{4B30EF9C-5AFE-4750-9158-940E655F1B4A}" type="pres">
+      <dgm:prSet presAssocID="{3E8DEB96-88E6-4A3F-84E4-B84CE8F6A851}" presName="connectorText" presStyleLbl="sibTrans1D1" presStyleIdx="2" presStyleCnt="4"/>
+      <dgm:spPr/>
+      <dgm:t>
+        <a:bodyPr/>
+        <a:lstStyle/>
+        <a:p>
+          <a:endParaRPr lang="en-US"/>
+        </a:p>
+      </dgm:t>
+    </dgm:pt>
+    <dgm:pt modelId="{C82C3B18-08B6-4CE3-88ED-648E3F7E00BA}" type="pres">
+      <dgm:prSet presAssocID="{C3604770-9BFB-4AE1-B866-46DD6398DA00}" presName="node" presStyleLbl="node1" presStyleIdx="3" presStyleCnt="5">
+        <dgm:presLayoutVars>
+          <dgm:bulletEnabled val="1"/>
+        </dgm:presLayoutVars>
+      </dgm:prSet>
+      <dgm:spPr/>
+      <dgm:t>
+        <a:bodyPr/>
+        <a:lstStyle/>
+        <a:p>
+          <a:endParaRPr lang="en-US"/>
+        </a:p>
+      </dgm:t>
+    </dgm:pt>
+    <dgm:pt modelId="{76174592-9CD7-418B-AB4A-94EDEE13F023}" type="pres">
+      <dgm:prSet presAssocID="{7597335C-5F3C-4B1F-8F97-EE4C170570CD}" presName="sibTrans" presStyleLbl="sibTrans1D1" presStyleIdx="3" presStyleCnt="4"/>
+      <dgm:spPr/>
+      <dgm:t>
+        <a:bodyPr/>
+        <a:lstStyle/>
+        <a:p>
+          <a:endParaRPr lang="en-US"/>
+        </a:p>
+      </dgm:t>
+    </dgm:pt>
+    <dgm:pt modelId="{E284E738-A677-46F4-AB1D-F346A1941819}" type="pres">
+      <dgm:prSet presAssocID="{7597335C-5F3C-4B1F-8F97-EE4C170570CD}" presName="connectorText" presStyleLbl="sibTrans1D1" presStyleIdx="3" presStyleCnt="4"/>
+      <dgm:spPr/>
+      <dgm:t>
+        <a:bodyPr/>
+        <a:lstStyle/>
+        <a:p>
+          <a:endParaRPr lang="en-US"/>
+        </a:p>
+      </dgm:t>
+    </dgm:pt>
+    <dgm:pt modelId="{32428080-D253-4E94-946D-C575DAD45734}" type="pres">
+      <dgm:prSet presAssocID="{58F3C7E6-85DE-4F6C-86B8-8ADD2EDEDAA2}" presName="node" presStyleLbl="node1" presStyleIdx="4" presStyleCnt="5">
+        <dgm:presLayoutVars>
+          <dgm:bulletEnabled val="1"/>
+        </dgm:presLayoutVars>
+      </dgm:prSet>
+      <dgm:spPr/>
+      <dgm:t>
+        <a:bodyPr/>
+        <a:lstStyle/>
+        <a:p>
+          <a:endParaRPr lang="en-US"/>
+        </a:p>
+      </dgm:t>
+    </dgm:pt>
+  </dgm:ptLst>
+  <dgm:cxnLst>
+    <dgm:cxn modelId="{C04C4CB9-BC91-4E42-AA52-7530A915004A}" type="presOf" srcId="{C3604770-9BFB-4AE1-B866-46DD6398DA00}" destId="{C82C3B18-08B6-4CE3-88ED-648E3F7E00BA}" srcOrd="0" destOrd="0" presId="urn:microsoft.com/office/officeart/2005/8/layout/bProcess3"/>
+    <dgm:cxn modelId="{60A87854-9DF8-4280-9961-D42EF6A82E45}" type="presOf" srcId="{D1429941-5290-497A-AB5A-935DF24AA9CA}" destId="{0F736657-134E-4C4C-BDB6-FE75E48FDC2D}" srcOrd="0" destOrd="0" presId="urn:microsoft.com/office/officeart/2005/8/layout/bProcess3"/>
+    <dgm:cxn modelId="{CBFA523F-91FF-4AAB-8288-24F1875EB0DE}" type="presOf" srcId="{F4E9E209-D58C-4BFE-942B-3FEDBF9708F7}" destId="{BA44ABD0-ED48-4474-B771-245BCB8EED0C}" srcOrd="0" destOrd="0" presId="urn:microsoft.com/office/officeart/2005/8/layout/bProcess3"/>
+    <dgm:cxn modelId="{02F97853-C7A3-4A96-B194-2884042639DD}" type="presOf" srcId="{3FE60270-F1F8-4053-9AAD-409B4E7B9783}" destId="{D90BDDDE-2120-4AD7-BBB4-B1CEE5F0C1DF}" srcOrd="1" destOrd="0" presId="urn:microsoft.com/office/officeart/2005/8/layout/bProcess3"/>
+    <dgm:cxn modelId="{E31E92BC-77A1-4BEF-95A8-C64601BAB8D3}" type="presOf" srcId="{D1429941-5290-497A-AB5A-935DF24AA9CA}" destId="{23A55A3F-61DD-4E5A-A26B-60778A6E28B9}" srcOrd="1" destOrd="0" presId="urn:microsoft.com/office/officeart/2005/8/layout/bProcess3"/>
+    <dgm:cxn modelId="{59277E02-A90B-4430-BC2A-382B8624DC15}" srcId="{F4E9E209-D58C-4BFE-942B-3FEDBF9708F7}" destId="{58F3C7E6-85DE-4F6C-86B8-8ADD2EDEDAA2}" srcOrd="4" destOrd="0" parTransId="{B3D5F29A-33F2-49D6-8B14-D965B980B1FE}" sibTransId="{B9D204DF-ACAA-4AC9-8023-0F16476F9D4D}"/>
+    <dgm:cxn modelId="{3CF1073C-4E16-4AC3-92BB-8BDD70546BEA}" srcId="{F4E9E209-D58C-4BFE-942B-3FEDBF9708F7}" destId="{796C7CD1-1333-442B-845F-CA61B8EB7D46}" srcOrd="1" destOrd="0" parTransId="{AD08C47A-7656-4CAD-B00D-6CEDAD3C9016}" sibTransId="{3FE60270-F1F8-4053-9AAD-409B4E7B9783}"/>
+    <dgm:cxn modelId="{D000BE7B-E575-46EA-8A74-17E424A588FB}" type="presOf" srcId="{3E8DEB96-88E6-4A3F-84E4-B84CE8F6A851}" destId="{4B30EF9C-5AFE-4750-9158-940E655F1B4A}" srcOrd="1" destOrd="0" presId="urn:microsoft.com/office/officeart/2005/8/layout/bProcess3"/>
+    <dgm:cxn modelId="{7CE78C3E-2BDD-4345-837F-58DCA10BB1BE}" type="presOf" srcId="{58F3C7E6-85DE-4F6C-86B8-8ADD2EDEDAA2}" destId="{32428080-D253-4E94-946D-C575DAD45734}" srcOrd="0" destOrd="0" presId="urn:microsoft.com/office/officeart/2005/8/layout/bProcess3"/>
+    <dgm:cxn modelId="{DB7524A8-3AE5-41FF-85F0-863CC1C69ACB}" type="presOf" srcId="{796C7CD1-1333-442B-845F-CA61B8EB7D46}" destId="{4AB946DC-2D10-4304-A5F4-56962390CA6E}" srcOrd="0" destOrd="0" presId="urn:microsoft.com/office/officeart/2005/8/layout/bProcess3"/>
+    <dgm:cxn modelId="{E77A5E3B-AAEA-4F94-9BF7-EAB494680237}" type="presOf" srcId="{3E8DEB96-88E6-4A3F-84E4-B84CE8F6A851}" destId="{DAB9BAE2-88EC-472D-BCEE-F89B782392CE}" srcOrd="0" destOrd="0" presId="urn:microsoft.com/office/officeart/2005/8/layout/bProcess3"/>
+    <dgm:cxn modelId="{6E9A1CA5-E02C-417E-B057-935124ECFCF5}" type="presOf" srcId="{3FE60270-F1F8-4053-9AAD-409B4E7B9783}" destId="{0C42D59A-1E3B-4B97-8E6A-3443B34552A6}" srcOrd="0" destOrd="0" presId="urn:microsoft.com/office/officeart/2005/8/layout/bProcess3"/>
+    <dgm:cxn modelId="{086B3F53-0B1B-4C1F-BF8D-C727C1FEDEF7}" srcId="{F4E9E209-D58C-4BFE-942B-3FEDBF9708F7}" destId="{BAD00369-7773-49C9-968F-F449E190DD2D}" srcOrd="0" destOrd="0" parTransId="{8B131897-3075-40D4-8A18-F6CEFE2777DA}" sibTransId="{D1429941-5290-497A-AB5A-935DF24AA9CA}"/>
+    <dgm:cxn modelId="{6973F64C-98A2-4693-B894-9E3F8E28EE83}" type="presOf" srcId="{7597335C-5F3C-4B1F-8F97-EE4C170570CD}" destId="{E284E738-A677-46F4-AB1D-F346A1941819}" srcOrd="1" destOrd="0" presId="urn:microsoft.com/office/officeart/2005/8/layout/bProcess3"/>
+    <dgm:cxn modelId="{5EEEE392-EDFD-4610-9BDD-473DD4086172}" type="presOf" srcId="{BAD00369-7773-49C9-968F-F449E190DD2D}" destId="{D17B726D-4BF1-4B7A-B01B-F4CFBFFE8E92}" srcOrd="0" destOrd="0" presId="urn:microsoft.com/office/officeart/2005/8/layout/bProcess3"/>
+    <dgm:cxn modelId="{8A0CFFDD-DB2C-48FB-97E2-54F8AC508F84}" srcId="{F4E9E209-D58C-4BFE-942B-3FEDBF9708F7}" destId="{C3604770-9BFB-4AE1-B866-46DD6398DA00}" srcOrd="3" destOrd="0" parTransId="{32B72BDC-1FE3-4034-ACCE-EC3F8066F2BB}" sibTransId="{7597335C-5F3C-4B1F-8F97-EE4C170570CD}"/>
+    <dgm:cxn modelId="{CC10BF2E-EF4A-4319-9295-646F9AD14A25}" type="presOf" srcId="{7215AC10-8056-4C69-9631-0433A5C3F811}" destId="{5B0D999D-EE65-46E9-8790-6F60D78B14B9}" srcOrd="0" destOrd="0" presId="urn:microsoft.com/office/officeart/2005/8/layout/bProcess3"/>
+    <dgm:cxn modelId="{2E577547-244A-46BE-8279-147625095776}" type="presOf" srcId="{7597335C-5F3C-4B1F-8F97-EE4C170570CD}" destId="{76174592-9CD7-418B-AB4A-94EDEE13F023}" srcOrd="0" destOrd="0" presId="urn:microsoft.com/office/officeart/2005/8/layout/bProcess3"/>
+    <dgm:cxn modelId="{BE580C40-53A6-4A06-87C6-5AB9AF014CC4}" srcId="{F4E9E209-D58C-4BFE-942B-3FEDBF9708F7}" destId="{7215AC10-8056-4C69-9631-0433A5C3F811}" srcOrd="2" destOrd="0" parTransId="{A79A34C9-08B2-4C2F-8187-7E06A86C87C4}" sibTransId="{3E8DEB96-88E6-4A3F-84E4-B84CE8F6A851}"/>
+    <dgm:cxn modelId="{16757484-798C-4EAC-9CF4-64DC19CC46C2}" type="presParOf" srcId="{BA44ABD0-ED48-4474-B771-245BCB8EED0C}" destId="{D17B726D-4BF1-4B7A-B01B-F4CFBFFE8E92}" srcOrd="0" destOrd="0" presId="urn:microsoft.com/office/officeart/2005/8/layout/bProcess3"/>
+    <dgm:cxn modelId="{4F940399-836D-4280-A8A6-9F1B5C0F1A0B}" type="presParOf" srcId="{BA44ABD0-ED48-4474-B771-245BCB8EED0C}" destId="{0F736657-134E-4C4C-BDB6-FE75E48FDC2D}" srcOrd="1" destOrd="0" presId="urn:microsoft.com/office/officeart/2005/8/layout/bProcess3"/>
+    <dgm:cxn modelId="{30B6F504-ADD1-4CAD-99AF-DF6B4FB5CBDE}" type="presParOf" srcId="{0F736657-134E-4C4C-BDB6-FE75E48FDC2D}" destId="{23A55A3F-61DD-4E5A-A26B-60778A6E28B9}" srcOrd="0" destOrd="0" presId="urn:microsoft.com/office/officeart/2005/8/layout/bProcess3"/>
+    <dgm:cxn modelId="{84C9D2EB-B356-426D-B187-8F562FE68470}" type="presParOf" srcId="{BA44ABD0-ED48-4474-B771-245BCB8EED0C}" destId="{4AB946DC-2D10-4304-A5F4-56962390CA6E}" srcOrd="2" destOrd="0" presId="urn:microsoft.com/office/officeart/2005/8/layout/bProcess3"/>
+    <dgm:cxn modelId="{A61FF32F-DAFA-423D-A37F-92A3C983F8F1}" type="presParOf" srcId="{BA44ABD0-ED48-4474-B771-245BCB8EED0C}" destId="{0C42D59A-1E3B-4B97-8E6A-3443B34552A6}" srcOrd="3" destOrd="0" presId="urn:microsoft.com/office/officeart/2005/8/layout/bProcess3"/>
+    <dgm:cxn modelId="{457D7C49-B8D4-4DAB-AC60-4C40721200D3}" type="presParOf" srcId="{0C42D59A-1E3B-4B97-8E6A-3443B34552A6}" destId="{D90BDDDE-2120-4AD7-BBB4-B1CEE5F0C1DF}" srcOrd="0" destOrd="0" presId="urn:microsoft.com/office/officeart/2005/8/layout/bProcess3"/>
+    <dgm:cxn modelId="{E7B4904B-EA3B-4E5F-8635-8DF8A5B03D42}" type="presParOf" srcId="{BA44ABD0-ED48-4474-B771-245BCB8EED0C}" destId="{5B0D999D-EE65-46E9-8790-6F60D78B14B9}" srcOrd="4" destOrd="0" presId="urn:microsoft.com/office/officeart/2005/8/layout/bProcess3"/>
+    <dgm:cxn modelId="{91592F61-42F9-481A-9AF9-14ECAB9BEB9E}" type="presParOf" srcId="{BA44ABD0-ED48-4474-B771-245BCB8EED0C}" destId="{DAB9BAE2-88EC-472D-BCEE-F89B782392CE}" srcOrd="5" destOrd="0" presId="urn:microsoft.com/office/officeart/2005/8/layout/bProcess3"/>
+    <dgm:cxn modelId="{52AB7DDA-D55C-4D71-B5A9-24CC883E30DE}" type="presParOf" srcId="{DAB9BAE2-88EC-472D-BCEE-F89B782392CE}" destId="{4B30EF9C-5AFE-4750-9158-940E655F1B4A}" srcOrd="0" destOrd="0" presId="urn:microsoft.com/office/officeart/2005/8/layout/bProcess3"/>
+    <dgm:cxn modelId="{7BED3642-0210-4258-993C-C3F9507C77B5}" type="presParOf" srcId="{BA44ABD0-ED48-4474-B771-245BCB8EED0C}" destId="{C82C3B18-08B6-4CE3-88ED-648E3F7E00BA}" srcOrd="6" destOrd="0" presId="urn:microsoft.com/office/officeart/2005/8/layout/bProcess3"/>
+    <dgm:cxn modelId="{7D437400-EABE-4DA0-8BF9-A80C4AD5F413}" type="presParOf" srcId="{BA44ABD0-ED48-4474-B771-245BCB8EED0C}" destId="{76174592-9CD7-418B-AB4A-94EDEE13F023}" srcOrd="7" destOrd="0" presId="urn:microsoft.com/office/officeart/2005/8/layout/bProcess3"/>
+    <dgm:cxn modelId="{3ED548DD-8311-4D39-92BD-09C16B6F286C}" type="presParOf" srcId="{76174592-9CD7-418B-AB4A-94EDEE13F023}" destId="{E284E738-A677-46F4-AB1D-F346A1941819}" srcOrd="0" destOrd="0" presId="urn:microsoft.com/office/officeart/2005/8/layout/bProcess3"/>
+    <dgm:cxn modelId="{3D3D6056-4F4F-44C0-8104-5F86C9BF1D99}" type="presParOf" srcId="{BA44ABD0-ED48-4474-B771-245BCB8EED0C}" destId="{32428080-D253-4E94-946D-C575DAD45734}" srcOrd="8" destOrd="0" presId="urn:microsoft.com/office/officeart/2005/8/layout/bProcess3"/>
+  </dgm:cxnLst>
+  <dgm:bg/>
+  <dgm:whole/>
+  <dgm:extLst>
+    <a:ext uri="http://schemas.microsoft.com/office/drawing/2008/diagram">
+      <dsp:dataModelExt xmlns:dsp="http://schemas.microsoft.com/office/drawing/2008/diagram" relId="rId6" minVer="http://schemas.openxmlformats.org/drawingml/2006/diagram"/>
+    </a:ext>
+  </dgm:extLst>
+</dgm:dataModel>
+</file>
+
+<file path=ppt/diagrams/drawing1.xml><?xml version="1.0" encoding="utf-8"?>
+<dsp:drawing xmlns:dgm="http://schemas.openxmlformats.org/drawingml/2006/diagram" xmlns:dsp="http://schemas.microsoft.com/office/drawing/2008/diagram" xmlns:a="http://schemas.openxmlformats.org/drawingml/2006/main">
+  <dsp:spTree>
+    <dsp:nvGrpSpPr>
+      <dsp:cNvPr id="0" name=""/>
+      <dsp:cNvGrpSpPr/>
+    </dsp:nvGrpSpPr>
+    <dsp:grpSpPr/>
+    <dsp:sp modelId="{0F736657-134E-4C4C-BDB6-FE75E48FDC2D}">
+      <dsp:nvSpPr>
+        <dsp:cNvPr id="0" name=""/>
+        <dsp:cNvSpPr/>
+      </dsp:nvSpPr>
+      <dsp:spPr>
+        <a:xfrm>
+          <a:off x="3458181" y="670427"/>
+          <a:ext cx="517036" cy="91440"/>
+        </a:xfrm>
+        <a:custGeom>
+          <a:avLst/>
+          <a:gdLst/>
+          <a:ahLst/>
+          <a:cxnLst/>
+          <a:rect l="0" t="0" r="0" b="0"/>
+          <a:pathLst>
+            <a:path>
+              <a:moveTo>
+                <a:pt x="0" y="45720"/>
+              </a:moveTo>
+              <a:lnTo>
+                <a:pt x="517036" y="45720"/>
+              </a:lnTo>
+            </a:path>
+          </a:pathLst>
+        </a:custGeom>
+        <a:noFill/>
+        <a:ln w="12700" cap="flat" cmpd="sng" algn="ctr">
+          <a:solidFill>
+            <a:schemeClr val="accent1">
+              <a:hueOff val="0"/>
+              <a:satOff val="0"/>
+              <a:lumOff val="0"/>
+              <a:alphaOff val="0"/>
+            </a:schemeClr>
+          </a:solidFill>
+          <a:prstDash val="solid"/>
+          <a:tailEnd type="arrow"/>
+        </a:ln>
+        <a:effectLst/>
+      </dsp:spPr>
+      <dsp:style>
+        <a:lnRef idx="1">
+          <a:scrgbClr r="0" g="0" b="0"/>
+        </a:lnRef>
+        <a:fillRef idx="0">
+          <a:scrgbClr r="0" g="0" b="0"/>
+        </a:fillRef>
+        <a:effectRef idx="0">
+          <a:scrgbClr r="0" g="0" b="0"/>
+        </a:effectRef>
+        <a:fontRef idx="minor"/>
+      </dsp:style>
+      <dsp:txBody>
+        <a:bodyPr spcFirstLastPara="0" vert="horz" wrap="square" lIns="12700" tIns="0" rIns="12700" bIns="0" numCol="1" spcCol="1270" anchor="ctr" anchorCtr="0">
+          <a:noAutofit/>
+        </a:bodyPr>
+        <a:lstStyle/>
+        <a:p>
+          <a:pPr lvl="0" algn="ctr" defTabSz="222250">
+            <a:lnSpc>
+              <a:spcPct val="90000"/>
+            </a:lnSpc>
+            <a:spcBef>
+              <a:spcPct val="0"/>
+            </a:spcBef>
+            <a:spcAft>
+              <a:spcPct val="35000"/>
+            </a:spcAft>
+          </a:pPr>
+          <a:endParaRPr lang="en-US" sz="500" kern="1200"/>
+        </a:p>
+      </dsp:txBody>
+      <dsp:txXfrm>
+        <a:off x="3703009" y="713409"/>
+        <a:ext cx="27381" cy="5476"/>
+      </dsp:txXfrm>
+    </dsp:sp>
+    <dsp:sp modelId="{D17B726D-4BF1-4B7A-B01B-F4CFBFFE8E92}">
+      <dsp:nvSpPr>
+        <dsp:cNvPr id="0" name=""/>
+        <dsp:cNvSpPr/>
+      </dsp:nvSpPr>
+      <dsp:spPr>
+        <a:xfrm>
+          <a:off x="1078955" y="1839"/>
+          <a:ext cx="2381026" cy="1428616"/>
+        </a:xfrm>
+        <a:prstGeom prst="rect">
+          <a:avLst/>
+        </a:prstGeom>
+        <a:solidFill>
+          <a:schemeClr val="accent1">
+            <a:hueOff val="0"/>
+            <a:satOff val="0"/>
+            <a:lumOff val="0"/>
+            <a:alphaOff val="0"/>
+          </a:schemeClr>
+        </a:solidFill>
+        <a:ln w="25400" cap="flat" cmpd="sng" algn="ctr">
+          <a:solidFill>
+            <a:schemeClr val="lt1">
+              <a:hueOff val="0"/>
+              <a:satOff val="0"/>
+              <a:lumOff val="0"/>
+              <a:alphaOff val="0"/>
+            </a:schemeClr>
+          </a:solidFill>
+          <a:prstDash val="solid"/>
+        </a:ln>
+        <a:effectLst/>
+      </dsp:spPr>
+      <dsp:style>
+        <a:lnRef idx="2">
+          <a:scrgbClr r="0" g="0" b="0"/>
+        </a:lnRef>
+        <a:fillRef idx="1">
+          <a:scrgbClr r="0" g="0" b="0"/>
+        </a:fillRef>
+        <a:effectRef idx="0">
+          <a:scrgbClr r="0" g="0" b="0"/>
+        </a:effectRef>
+        <a:fontRef idx="minor">
+          <a:schemeClr val="lt1"/>
+        </a:fontRef>
+      </dsp:style>
+      <dsp:txBody>
+        <a:bodyPr spcFirstLastPara="0" vert="horz" wrap="square" lIns="128016" tIns="128016" rIns="128016" bIns="128016" numCol="1" spcCol="1270" anchor="ctr" anchorCtr="0">
+          <a:noAutofit/>
+        </a:bodyPr>
+        <a:lstStyle/>
+        <a:p>
+          <a:pPr lvl="0" algn="ctr" defTabSz="800100">
+            <a:lnSpc>
+              <a:spcPct val="90000"/>
+            </a:lnSpc>
+            <a:spcBef>
+              <a:spcPct val="0"/>
+            </a:spcBef>
+            <a:spcAft>
+              <a:spcPct val="35000"/>
+            </a:spcAft>
+          </a:pPr>
+          <a:r>
+            <a:rPr lang="en-US" sz="1800" kern="1200" dirty="0" smtClean="0"/>
+            <a:t>Splits input string</a:t>
+          </a:r>
+          <a:endParaRPr lang="en-US" sz="1800" kern="1200" dirty="0"/>
+        </a:p>
+      </dsp:txBody>
+      <dsp:txXfrm>
+        <a:off x="1078955" y="1839"/>
+        <a:ext cx="2381026" cy="1428616"/>
+      </dsp:txXfrm>
+    </dsp:sp>
+    <dsp:sp modelId="{0C42D59A-1E3B-4B97-8E6A-3443B34552A6}">
+      <dsp:nvSpPr>
+        <dsp:cNvPr id="0" name=""/>
+        <dsp:cNvSpPr/>
+      </dsp:nvSpPr>
+      <dsp:spPr>
+        <a:xfrm>
+          <a:off x="2269468" y="1428655"/>
+          <a:ext cx="2928662" cy="517036"/>
+        </a:xfrm>
+        <a:custGeom>
+          <a:avLst/>
+          <a:gdLst/>
+          <a:ahLst/>
+          <a:cxnLst/>
+          <a:rect l="0" t="0" r="0" b="0"/>
+          <a:pathLst>
+            <a:path>
+              <a:moveTo>
+                <a:pt x="2928662" y="0"/>
+              </a:moveTo>
+              <a:lnTo>
+                <a:pt x="2928662" y="275618"/>
+              </a:lnTo>
+              <a:lnTo>
+                <a:pt x="0" y="275618"/>
+              </a:lnTo>
+              <a:lnTo>
+                <a:pt x="0" y="517036"/>
+              </a:lnTo>
+            </a:path>
+          </a:pathLst>
+        </a:custGeom>
+        <a:noFill/>
+        <a:ln w="12700" cap="flat" cmpd="sng" algn="ctr">
+          <a:solidFill>
+            <a:schemeClr val="accent1">
+              <a:hueOff val="0"/>
+              <a:satOff val="0"/>
+              <a:lumOff val="0"/>
+              <a:alphaOff val="0"/>
+            </a:schemeClr>
+          </a:solidFill>
+          <a:prstDash val="solid"/>
+          <a:tailEnd type="arrow"/>
+        </a:ln>
+        <a:effectLst/>
+      </dsp:spPr>
+      <dsp:style>
+        <a:lnRef idx="1">
+          <a:scrgbClr r="0" g="0" b="0"/>
+        </a:lnRef>
+        <a:fillRef idx="0">
+          <a:scrgbClr r="0" g="0" b="0"/>
+        </a:fillRef>
+        <a:effectRef idx="0">
+          <a:scrgbClr r="0" g="0" b="0"/>
+        </a:effectRef>
+        <a:fontRef idx="minor"/>
+      </dsp:style>
+      <dsp:txBody>
+        <a:bodyPr spcFirstLastPara="0" vert="horz" wrap="square" lIns="12700" tIns="0" rIns="12700" bIns="0" numCol="1" spcCol="1270" anchor="ctr" anchorCtr="0">
+          <a:noAutofit/>
+        </a:bodyPr>
+        <a:lstStyle/>
+        <a:p>
+          <a:pPr lvl="0" algn="ctr" defTabSz="222250">
+            <a:lnSpc>
+              <a:spcPct val="90000"/>
+            </a:lnSpc>
+            <a:spcBef>
+              <a:spcPct val="0"/>
+            </a:spcBef>
+            <a:spcAft>
+              <a:spcPct val="35000"/>
+            </a:spcAft>
+          </a:pPr>
+          <a:endParaRPr lang="en-US" sz="500" kern="1200"/>
+        </a:p>
+      </dsp:txBody>
+      <dsp:txXfrm>
+        <a:off x="3659314" y="1684435"/>
+        <a:ext cx="148971" cy="5476"/>
+      </dsp:txXfrm>
+    </dsp:sp>
+    <dsp:sp modelId="{4AB946DC-2D10-4304-A5F4-56962390CA6E}">
+      <dsp:nvSpPr>
+        <dsp:cNvPr id="0" name=""/>
+        <dsp:cNvSpPr/>
+      </dsp:nvSpPr>
+      <dsp:spPr>
+        <a:xfrm>
+          <a:off x="4007618" y="1839"/>
+          <a:ext cx="2381026" cy="1428616"/>
+        </a:xfrm>
+        <a:prstGeom prst="rect">
+          <a:avLst/>
+        </a:prstGeom>
+        <a:solidFill>
+          <a:schemeClr val="accent1">
+            <a:hueOff val="0"/>
+            <a:satOff val="0"/>
+            <a:lumOff val="0"/>
+            <a:alphaOff val="0"/>
+          </a:schemeClr>
+        </a:solidFill>
+        <a:ln w="25400" cap="flat" cmpd="sng" algn="ctr">
+          <a:solidFill>
+            <a:schemeClr val="lt1">
+              <a:hueOff val="0"/>
+              <a:satOff val="0"/>
+              <a:lumOff val="0"/>
+              <a:alphaOff val="0"/>
+            </a:schemeClr>
+          </a:solidFill>
+          <a:prstDash val="solid"/>
+        </a:ln>
+        <a:effectLst/>
+      </dsp:spPr>
+      <dsp:style>
+        <a:lnRef idx="2">
+          <a:scrgbClr r="0" g="0" b="0"/>
+        </a:lnRef>
+        <a:fillRef idx="1">
+          <a:scrgbClr r="0" g="0" b="0"/>
+        </a:fillRef>
+        <a:effectRef idx="0">
+          <a:scrgbClr r="0" g="0" b="0"/>
+        </a:effectRef>
+        <a:fontRef idx="minor">
+          <a:schemeClr val="lt1"/>
+        </a:fontRef>
+      </dsp:style>
+      <dsp:txBody>
+        <a:bodyPr spcFirstLastPara="0" vert="horz" wrap="square" lIns="128016" tIns="128016" rIns="128016" bIns="128016" numCol="1" spcCol="1270" anchor="ctr" anchorCtr="0">
+          <a:noAutofit/>
+        </a:bodyPr>
+        <a:lstStyle/>
+        <a:p>
+          <a:pPr lvl="0" algn="ctr" defTabSz="800100">
+            <a:lnSpc>
+              <a:spcPct val="90000"/>
+            </a:lnSpc>
+            <a:spcBef>
+              <a:spcPct val="0"/>
+            </a:spcBef>
+            <a:spcAft>
+              <a:spcPct val="35000"/>
+            </a:spcAft>
+          </a:pPr>
+          <a:r>
+            <a:rPr lang="en-US" sz="1800" kern="1200" dirty="0" smtClean="0"/>
+            <a:t>Using fuzzy to compute if </a:t>
+          </a:r>
+          <a:r>
+            <a:rPr lang="en-US" sz="1800" kern="1200" dirty="0" err="1" smtClean="0"/>
+            <a:t>mathch</a:t>
+          </a:r>
+          <a:r>
+            <a:rPr lang="en-US" sz="1800" kern="1200" dirty="0" smtClean="0"/>
+            <a:t> &gt;= 50%</a:t>
+          </a:r>
+          <a:endParaRPr lang="en-US" sz="1800" kern="1200" dirty="0"/>
+        </a:p>
+      </dsp:txBody>
+      <dsp:txXfrm>
+        <a:off x="4007618" y="1839"/>
+        <a:ext cx="2381026" cy="1428616"/>
+      </dsp:txXfrm>
+    </dsp:sp>
+    <dsp:sp modelId="{DAB9BAE2-88EC-472D-BCEE-F89B782392CE}">
+      <dsp:nvSpPr>
+        <dsp:cNvPr id="0" name=""/>
+        <dsp:cNvSpPr/>
+      </dsp:nvSpPr>
+      <dsp:spPr>
+        <a:xfrm>
+          <a:off x="3458181" y="2646680"/>
+          <a:ext cx="517036" cy="91440"/>
+        </a:xfrm>
+        <a:custGeom>
+          <a:avLst/>
+          <a:gdLst/>
+          <a:ahLst/>
+          <a:cxnLst/>
+          <a:rect l="0" t="0" r="0" b="0"/>
+          <a:pathLst>
+            <a:path>
+              <a:moveTo>
+                <a:pt x="0" y="45720"/>
+              </a:moveTo>
+              <a:lnTo>
+                <a:pt x="517036" y="45720"/>
+              </a:lnTo>
+            </a:path>
+          </a:pathLst>
+        </a:custGeom>
+        <a:noFill/>
+        <a:ln w="12700" cap="flat" cmpd="sng" algn="ctr">
+          <a:solidFill>
+            <a:schemeClr val="accent1">
+              <a:hueOff val="0"/>
+              <a:satOff val="0"/>
+              <a:lumOff val="0"/>
+              <a:alphaOff val="0"/>
+            </a:schemeClr>
+          </a:solidFill>
+          <a:prstDash val="solid"/>
+          <a:tailEnd type="arrow"/>
+        </a:ln>
+        <a:effectLst/>
+      </dsp:spPr>
+      <dsp:style>
+        <a:lnRef idx="1">
+          <a:scrgbClr r="0" g="0" b="0"/>
+        </a:lnRef>
+        <a:fillRef idx="0">
+          <a:scrgbClr r="0" g="0" b="0"/>
+        </a:fillRef>
+        <a:effectRef idx="0">
+          <a:scrgbClr r="0" g="0" b="0"/>
+        </a:effectRef>
+        <a:fontRef idx="minor"/>
+      </dsp:style>
+      <dsp:txBody>
+        <a:bodyPr spcFirstLastPara="0" vert="horz" wrap="square" lIns="12700" tIns="0" rIns="12700" bIns="0" numCol="1" spcCol="1270" anchor="ctr" anchorCtr="0">
+          <a:noAutofit/>
+        </a:bodyPr>
+        <a:lstStyle/>
+        <a:p>
+          <a:pPr lvl="0" algn="ctr" defTabSz="222250">
+            <a:lnSpc>
+              <a:spcPct val="90000"/>
+            </a:lnSpc>
+            <a:spcBef>
+              <a:spcPct val="0"/>
+            </a:spcBef>
+            <a:spcAft>
+              <a:spcPct val="35000"/>
+            </a:spcAft>
+          </a:pPr>
+          <a:endParaRPr lang="en-US" sz="500" kern="1200"/>
+        </a:p>
+      </dsp:txBody>
+      <dsp:txXfrm>
+        <a:off x="3703009" y="2689661"/>
+        <a:ext cx="27381" cy="5476"/>
+      </dsp:txXfrm>
+    </dsp:sp>
+    <dsp:sp modelId="{5B0D999D-EE65-46E9-8790-6F60D78B14B9}">
+      <dsp:nvSpPr>
+        <dsp:cNvPr id="0" name=""/>
+        <dsp:cNvSpPr/>
+      </dsp:nvSpPr>
+      <dsp:spPr>
+        <a:xfrm>
+          <a:off x="1078955" y="1978091"/>
+          <a:ext cx="2381026" cy="1428616"/>
+        </a:xfrm>
+        <a:prstGeom prst="rect">
+          <a:avLst/>
+        </a:prstGeom>
+        <a:solidFill>
+          <a:schemeClr val="accent1">
+            <a:hueOff val="0"/>
+            <a:satOff val="0"/>
+            <a:lumOff val="0"/>
+            <a:alphaOff val="0"/>
+          </a:schemeClr>
+        </a:solidFill>
+        <a:ln w="25400" cap="flat" cmpd="sng" algn="ctr">
+          <a:solidFill>
+            <a:schemeClr val="lt1">
+              <a:hueOff val="0"/>
+              <a:satOff val="0"/>
+              <a:lumOff val="0"/>
+              <a:alphaOff val="0"/>
+            </a:schemeClr>
+          </a:solidFill>
+          <a:prstDash val="solid"/>
+        </a:ln>
+        <a:effectLst/>
+      </dsp:spPr>
+      <dsp:style>
+        <a:lnRef idx="2">
+          <a:scrgbClr r="0" g="0" b="0"/>
+        </a:lnRef>
+        <a:fillRef idx="1">
+          <a:scrgbClr r="0" g="0" b="0"/>
+        </a:fillRef>
+        <a:effectRef idx="0">
+          <a:scrgbClr r="0" g="0" b="0"/>
+        </a:effectRef>
+        <a:fontRef idx="minor">
+          <a:schemeClr val="lt1"/>
+        </a:fontRef>
+      </dsp:style>
+      <dsp:txBody>
+        <a:bodyPr spcFirstLastPara="0" vert="horz" wrap="square" lIns="128016" tIns="128016" rIns="128016" bIns="128016" numCol="1" spcCol="1270" anchor="ctr" anchorCtr="0">
+          <a:noAutofit/>
+        </a:bodyPr>
+        <a:lstStyle/>
+        <a:p>
+          <a:pPr lvl="0" algn="ctr" defTabSz="800100">
+            <a:lnSpc>
+              <a:spcPct val="90000"/>
+            </a:lnSpc>
+            <a:spcBef>
+              <a:spcPct val="0"/>
+            </a:spcBef>
+            <a:spcAft>
+              <a:spcPct val="35000"/>
+            </a:spcAft>
+          </a:pPr>
+          <a:r>
+            <a:rPr lang="en-US" sz="1800" kern="1200" dirty="0" err="1" smtClean="0"/>
+            <a:t>ReduceRedundancy</a:t>
+          </a:r>
+          <a:endParaRPr lang="en-US" sz="1800" kern="1200" dirty="0"/>
+        </a:p>
+      </dsp:txBody>
+      <dsp:txXfrm>
+        <a:off x="1078955" y="1978091"/>
+        <a:ext cx="2381026" cy="1428616"/>
+      </dsp:txXfrm>
+    </dsp:sp>
+    <dsp:sp modelId="{76174592-9CD7-418B-AB4A-94EDEE13F023}">
+      <dsp:nvSpPr>
+        <dsp:cNvPr id="0" name=""/>
+        <dsp:cNvSpPr/>
+      </dsp:nvSpPr>
+      <dsp:spPr>
+        <a:xfrm>
+          <a:off x="2269468" y="3404908"/>
+          <a:ext cx="2928662" cy="517036"/>
+        </a:xfrm>
+        <a:custGeom>
+          <a:avLst/>
+          <a:gdLst/>
+          <a:ahLst/>
+          <a:cxnLst/>
+          <a:rect l="0" t="0" r="0" b="0"/>
+          <a:pathLst>
+            <a:path>
+              <a:moveTo>
+                <a:pt x="2928662" y="0"/>
+              </a:moveTo>
+              <a:lnTo>
+                <a:pt x="2928662" y="275618"/>
+              </a:lnTo>
+              <a:lnTo>
+                <a:pt x="0" y="275618"/>
+              </a:lnTo>
+              <a:lnTo>
+                <a:pt x="0" y="517036"/>
+              </a:lnTo>
+            </a:path>
+          </a:pathLst>
+        </a:custGeom>
+        <a:noFill/>
+        <a:ln w="12700" cap="flat" cmpd="sng" algn="ctr">
+          <a:solidFill>
+            <a:schemeClr val="accent1">
+              <a:hueOff val="0"/>
+              <a:satOff val="0"/>
+              <a:lumOff val="0"/>
+              <a:alphaOff val="0"/>
+            </a:schemeClr>
+          </a:solidFill>
+          <a:prstDash val="solid"/>
+          <a:tailEnd type="arrow"/>
+        </a:ln>
+        <a:effectLst/>
+      </dsp:spPr>
+      <dsp:style>
+        <a:lnRef idx="1">
+          <a:scrgbClr r="0" g="0" b="0"/>
+        </a:lnRef>
+        <a:fillRef idx="0">
+          <a:scrgbClr r="0" g="0" b="0"/>
+        </a:fillRef>
+        <a:effectRef idx="0">
+          <a:scrgbClr r="0" g="0" b="0"/>
+        </a:effectRef>
+        <a:fontRef idx="minor"/>
+      </dsp:style>
+      <dsp:txBody>
+        <a:bodyPr spcFirstLastPara="0" vert="horz" wrap="square" lIns="12700" tIns="0" rIns="12700" bIns="0" numCol="1" spcCol="1270" anchor="ctr" anchorCtr="0">
+          <a:noAutofit/>
+        </a:bodyPr>
+        <a:lstStyle/>
+        <a:p>
+          <a:pPr lvl="0" algn="ctr" defTabSz="222250">
+            <a:lnSpc>
+              <a:spcPct val="90000"/>
+            </a:lnSpc>
+            <a:spcBef>
+              <a:spcPct val="0"/>
+            </a:spcBef>
+            <a:spcAft>
+              <a:spcPct val="35000"/>
+            </a:spcAft>
+          </a:pPr>
+          <a:endParaRPr lang="en-US" sz="500" kern="1200"/>
+        </a:p>
+      </dsp:txBody>
+      <dsp:txXfrm>
+        <a:off x="3659314" y="3660687"/>
+        <a:ext cx="148971" cy="5476"/>
+      </dsp:txXfrm>
+    </dsp:sp>
+    <dsp:sp modelId="{C82C3B18-08B6-4CE3-88ED-648E3F7E00BA}">
+      <dsp:nvSpPr>
+        <dsp:cNvPr id="0" name=""/>
+        <dsp:cNvSpPr/>
+      </dsp:nvSpPr>
+      <dsp:spPr>
+        <a:xfrm>
+          <a:off x="4007618" y="1978091"/>
+          <a:ext cx="2381026" cy="1428616"/>
+        </a:xfrm>
+        <a:prstGeom prst="rect">
+          <a:avLst/>
+        </a:prstGeom>
+        <a:solidFill>
+          <a:schemeClr val="accent1">
+            <a:hueOff val="0"/>
+            <a:satOff val="0"/>
+            <a:lumOff val="0"/>
+            <a:alphaOff val="0"/>
+          </a:schemeClr>
+        </a:solidFill>
+        <a:ln w="25400" cap="flat" cmpd="sng" algn="ctr">
+          <a:solidFill>
+            <a:schemeClr val="lt1">
+              <a:hueOff val="0"/>
+              <a:satOff val="0"/>
+              <a:lumOff val="0"/>
+              <a:alphaOff val="0"/>
+            </a:schemeClr>
+          </a:solidFill>
+          <a:prstDash val="solid"/>
+        </a:ln>
+        <a:effectLst/>
+      </dsp:spPr>
+      <dsp:style>
+        <a:lnRef idx="2">
+          <a:scrgbClr r="0" g="0" b="0"/>
+        </a:lnRef>
+        <a:fillRef idx="1">
+          <a:scrgbClr r="0" g="0" b="0"/>
+        </a:fillRef>
+        <a:effectRef idx="0">
+          <a:scrgbClr r="0" g="0" b="0"/>
+        </a:effectRef>
+        <a:fontRef idx="minor">
+          <a:schemeClr val="lt1"/>
+        </a:fontRef>
+      </dsp:style>
+      <dsp:txBody>
+        <a:bodyPr spcFirstLastPara="0" vert="horz" wrap="square" lIns="128016" tIns="128016" rIns="128016" bIns="128016" numCol="1" spcCol="1270" anchor="ctr" anchorCtr="0">
+          <a:noAutofit/>
+        </a:bodyPr>
+        <a:lstStyle/>
+        <a:p>
+          <a:pPr lvl="0" algn="ctr" defTabSz="800100">
+            <a:lnSpc>
+              <a:spcPct val="90000"/>
+            </a:lnSpc>
+            <a:spcBef>
+              <a:spcPct val="0"/>
+            </a:spcBef>
+            <a:spcAft>
+              <a:spcPct val="35000"/>
+            </a:spcAft>
+          </a:pPr>
+          <a:r>
+            <a:rPr lang="en-US" sz="1800" kern="1200" dirty="0" smtClean="0"/>
+            <a:t>Sort by </a:t>
+          </a:r>
+          <a:r>
+            <a:rPr lang="en-US" sz="1800" kern="1200" dirty="0" err="1" smtClean="0"/>
+            <a:t>revelant</a:t>
+          </a:r>
+          <a:endParaRPr lang="en-US" sz="1800" kern="1200" dirty="0"/>
+        </a:p>
+      </dsp:txBody>
+      <dsp:txXfrm>
+        <a:off x="4007618" y="1978091"/>
+        <a:ext cx="2381026" cy="1428616"/>
+      </dsp:txXfrm>
+    </dsp:sp>
+    <dsp:sp modelId="{32428080-D253-4E94-946D-C575DAD45734}">
+      <dsp:nvSpPr>
+        <dsp:cNvPr id="0" name=""/>
+        <dsp:cNvSpPr/>
+      </dsp:nvSpPr>
+      <dsp:spPr>
+        <a:xfrm>
+          <a:off x="1078955" y="3954344"/>
+          <a:ext cx="2381026" cy="1428616"/>
+        </a:xfrm>
+        <a:prstGeom prst="rect">
+          <a:avLst/>
+        </a:prstGeom>
+        <a:solidFill>
+          <a:schemeClr val="accent1">
+            <a:hueOff val="0"/>
+            <a:satOff val="0"/>
+            <a:lumOff val="0"/>
+            <a:alphaOff val="0"/>
+          </a:schemeClr>
+        </a:solidFill>
+        <a:ln w="25400" cap="flat" cmpd="sng" algn="ctr">
+          <a:solidFill>
+            <a:schemeClr val="lt1">
+              <a:hueOff val="0"/>
+              <a:satOff val="0"/>
+              <a:lumOff val="0"/>
+              <a:alphaOff val="0"/>
+            </a:schemeClr>
+          </a:solidFill>
+          <a:prstDash val="solid"/>
+        </a:ln>
+        <a:effectLst/>
+      </dsp:spPr>
+      <dsp:style>
+        <a:lnRef idx="2">
+          <a:scrgbClr r="0" g="0" b="0"/>
+        </a:lnRef>
+        <a:fillRef idx="1">
+          <a:scrgbClr r="0" g="0" b="0"/>
+        </a:fillRef>
+        <a:effectRef idx="0">
+          <a:scrgbClr r="0" g="0" b="0"/>
+        </a:effectRef>
+        <a:fontRef idx="minor">
+          <a:schemeClr val="lt1"/>
+        </a:fontRef>
+      </dsp:style>
+      <dsp:txBody>
+        <a:bodyPr spcFirstLastPara="0" vert="horz" wrap="square" lIns="128016" tIns="128016" rIns="128016" bIns="128016" numCol="1" spcCol="1270" anchor="ctr" anchorCtr="0">
+          <a:noAutofit/>
+        </a:bodyPr>
+        <a:lstStyle/>
+        <a:p>
+          <a:pPr lvl="0" algn="ctr" defTabSz="800100">
+            <a:lnSpc>
+              <a:spcPct val="90000"/>
+            </a:lnSpc>
+            <a:spcBef>
+              <a:spcPct val="0"/>
+            </a:spcBef>
+            <a:spcAft>
+              <a:spcPct val="35000"/>
+            </a:spcAft>
+          </a:pPr>
+          <a:r>
+            <a:rPr lang="en-US" sz="1800" kern="1200" dirty="0" smtClean="0"/>
+            <a:t>Show results</a:t>
+          </a:r>
+          <a:endParaRPr lang="en-US" sz="1800" kern="1200" dirty="0"/>
+        </a:p>
+      </dsp:txBody>
+      <dsp:txXfrm>
+        <a:off x="1078955" y="3954344"/>
+        <a:ext cx="2381026" cy="1428616"/>
+      </dsp:txXfrm>
+    </dsp:sp>
+  </dsp:spTree>
+</dsp:drawing>
+</file>
+
+<file path=ppt/diagrams/layout1.xml><?xml version="1.0" encoding="utf-8"?>
+<dgm:layoutDef xmlns:dgm="http://schemas.openxmlformats.org/drawingml/2006/diagram" xmlns:a="http://schemas.openxmlformats.org/drawingml/2006/main" uniqueId="urn:microsoft.com/office/officeart/2005/8/layout/bProcess3">
+  <dgm:title val=""/>
+  <dgm:desc val=""/>
+  <dgm:catLst>
+    <dgm:cat type="process" pri="18000"/>
+  </dgm:catLst>
+  <dgm:sampData>
+    <dgm:dataModel>
+      <dgm:ptLst>
+        <dgm:pt modelId="0" type="doc"/>
+        <dgm:pt modelId="1">
+          <dgm:prSet phldr="1"/>
+        </dgm:pt>
+        <dgm:pt modelId="2">
+          <dgm:prSet phldr="1"/>
+        </dgm:pt>
+        <dgm:pt modelId="3">
+          <dgm:prSet phldr="1"/>
+        </dgm:pt>
+        <dgm:pt modelId="4">
+          <dgm:prSet phldr="1"/>
+        </dgm:pt>
+        <dgm:pt modelId="5">
+          <dgm:prSet phldr="1"/>
+        </dgm:pt>
+      </dgm:ptLst>
+      <dgm:cxnLst>
+        <dgm:cxn modelId="7" srcId="0" destId="1" srcOrd="0" destOrd="0"/>
+        <dgm:cxn modelId="8" srcId="0" destId="2" srcOrd="1" destOrd="0"/>
+        <dgm:cxn modelId="9" srcId="0" destId="3" srcOrd="2" destOrd="0"/>
+        <dgm:cxn modelId="10" srcId="0" destId="4" srcOrd="3" destOrd="0"/>
+        <dgm:cxn modelId="11" srcId="0" destId="5" srcOrd="4" destOrd="0"/>
+      </dgm:cxnLst>
+      <dgm:bg/>
+      <dgm:whole/>
+    </dgm:dataModel>
+  </dgm:sampData>
+  <dgm:styleData>
+    <dgm:dataModel>
+      <dgm:ptLst>
+        <dgm:pt modelId="0" type="doc"/>
+        <dgm:pt modelId="1"/>
+        <dgm:pt modelId="2"/>
+      </dgm:ptLst>
+      <dgm:cxnLst>
+        <dgm:cxn modelId="3" srcId="0" destId="1" srcOrd="0" destOrd="0"/>
+        <dgm:cxn modelId="4" srcId="0" destId="2" srcOrd="1" destOrd="0"/>
+      </dgm:cxnLst>
+      <dgm:bg/>
+      <dgm:whole/>
+    </dgm:dataModel>
+  </dgm:styleData>
+  <dgm:clrData>
+    <dgm:dataModel>
+      <dgm:ptLst>
+        <dgm:pt modelId="0" type="doc"/>
+        <dgm:pt modelId="1"/>
+        <dgm:pt modelId="2"/>
+        <dgm:pt modelId="3"/>
+        <dgm:pt modelId="4"/>
+      </dgm:ptLst>
+      <dgm:cxnLst>
+        <dgm:cxn modelId="5" srcId="0" destId="1" srcOrd="0" destOrd="0"/>
+        <dgm:cxn modelId="6" srcId="0" destId="2" srcOrd="1" destOrd="0"/>
+        <dgm:cxn modelId="7" srcId="0" destId="3" srcOrd="2" destOrd="0"/>
+        <dgm:cxn modelId="8" srcId="0" destId="4" srcOrd="3" destOrd="0"/>
+      </dgm:cxnLst>
+      <dgm:bg/>
+      <dgm:whole/>
+    </dgm:dataModel>
+  </dgm:clrData>
+  <dgm:layoutNode name="Name0">
+    <dgm:varLst>
+      <dgm:dir/>
+      <dgm:resizeHandles val="exact"/>
+    </dgm:varLst>
+    <dgm:choose name="Name1">
+      <dgm:if name="Name2" axis="self" func="var" arg="dir" op="equ" val="norm">
+        <dgm:alg type="snake">
+          <dgm:param type="grDir" val="tL"/>
+          <dgm:param type="flowDir" val="row"/>
+          <dgm:param type="contDir" val="sameDir"/>
+          <dgm:param type="bkpt" val="endCnv"/>
+        </dgm:alg>
+      </dgm:if>
+      <dgm:else name="Name3">
+        <dgm:alg type="snake">
+          <dgm:param type="grDir" val="tR"/>
+          <dgm:param type="flowDir" val="row"/>
+          <dgm:param type="contDir" val="sameDir"/>
+          <dgm:param type="bkpt" val="endCnv"/>
+        </dgm:alg>
+      </dgm:else>
+    </dgm:choose>
+    <dgm:shape xmlns:r="http://schemas.openxmlformats.org/officeDocument/2006/relationships" r:blip="">
+      <dgm:adjLst/>
+    </dgm:shape>
+    <dgm:presOf/>
+    <dgm:constrLst>
+      <dgm:constr type="w" for="ch" ptType="node" refType="w"/>
+      <dgm:constr type="w" for="ch" forName="sibTrans" refType="w" refFor="ch" refPtType="node" op="equ" fact="0.23"/>
+      <dgm:constr type="sp" refType="w" refFor="ch" refForName="sibTrans" op="equ"/>
+      <dgm:constr type="userB" for="des" forName="connectorText" refType="sp"/>
+      <dgm:constr type="primFontSz" for="ch" ptType="node" op="equ" val="65"/>
+      <dgm:constr type="h" for="ch" ptType="sibTrans" op="equ"/>
+      <dgm:constr type="primFontSz" for="des" forName="connectorText" op="equ" val="55"/>
+      <dgm:constr type="primFontSz" for="des" forName="connectorText" refType="primFontSz" refFor="ch" refPtType="node" op="lte" fact="0.8"/>
+    </dgm:constrLst>
+    <dgm:ruleLst/>
+    <dgm:forEach name="nodesForEach" axis="ch" ptType="node">
+      <dgm:layoutNode name="node">
+        <dgm:varLst>
+          <dgm:bulletEnabled val="1"/>
+        </dgm:varLst>
+        <dgm:alg type="tx"/>
+        <dgm:shape xmlns:r="http://schemas.openxmlformats.org/officeDocument/2006/relationships" type="rect" r:blip="">
+          <dgm:adjLst/>
+        </dgm:shape>
+        <dgm:presOf axis="desOrSelf" ptType="node"/>
+        <dgm:constrLst>
+          <dgm:constr type="h" refType="w" fact="0.6"/>
+        </dgm:constrLst>
+        <dgm:ruleLst>
+          <dgm:rule type="primFontSz" val="5" fact="NaN" max="NaN"/>
+        </dgm:ruleLst>
+      </dgm:layoutNode>
+      <dgm:forEach name="sibTransForEach" axis="followSib" ptType="sibTrans" cnt="1">
+        <dgm:layoutNode name="sibTrans">
+          <dgm:choose name="Name4">
+            <dgm:if name="Name5" axis="self" func="var" arg="dir" op="equ" val="norm">
+              <dgm:alg type="conn">
+                <dgm:param type="connRout" val="bend"/>
+                <dgm:param type="dim" val="1D"/>
+                <dgm:param type="begPts" val="midR bCtr"/>
+                <dgm:param type="endPts" val="midL tCtr"/>
+              </dgm:alg>
+            </dgm:if>
+            <dgm:else name="Name6">
+              <dgm:alg type="conn">
+                <dgm:param type="connRout" val="bend"/>
+                <dgm:param type="dim" val="1D"/>
+                <dgm:param type="begPts" val="midL bCtr"/>
+                <dgm:param type="endPts" val="midR tCtr"/>
+              </dgm:alg>
+            </dgm:else>
+          </dgm:choose>
+          <dgm:shape xmlns:r="http://schemas.openxmlformats.org/officeDocument/2006/relationships" type="conn" r:blip="" zOrderOff="-2">
+            <dgm:adjLst/>
+          </dgm:shape>
+          <dgm:presOf axis="self"/>
+          <dgm:constrLst>
+            <dgm:constr type="begPad" val="-0.05"/>
+            <dgm:constr type="endPad" val="0.9"/>
+            <dgm:constr type="userA" for="ch" refType="connDist"/>
+          </dgm:constrLst>
+          <dgm:ruleLst/>
+          <dgm:layoutNode name="connectorText">
+            <dgm:alg type="tx">
+              <dgm:param type="autoTxRot" val="upr"/>
+            </dgm:alg>
+            <dgm:shape xmlns:r="http://schemas.openxmlformats.org/officeDocument/2006/relationships" type="rect" r:blip="" hideGeom="1">
+              <dgm:adjLst/>
+            </dgm:shape>
+            <dgm:presOf axis="self"/>
+            <dgm:constrLst>
+              <dgm:constr type="userA"/>
+              <dgm:constr type="userB"/>
+              <dgm:constr type="w" refType="userA" fact="0.05"/>
+              <dgm:constr type="h" refType="userB" fact="0.01"/>
+              <dgm:constr type="lMarg" val="1"/>
+              <dgm:constr type="rMarg" val="1"/>
+              <dgm:constr type="tMarg"/>
+              <dgm:constr type="bMarg"/>
+            </dgm:constrLst>
+            <dgm:ruleLst>
+              <dgm:rule type="w" val="NaN" fact="0.6" max="NaN"/>
+              <dgm:rule type="h" val="NaN" fact="0.6" max="NaN"/>
+              <dgm:rule type="primFontSz" val="5" fact="NaN" max="NaN"/>
+            </dgm:ruleLst>
+          </dgm:layoutNode>
+        </dgm:layoutNode>
+      </dgm:forEach>
+    </dgm:forEach>
+  </dgm:layoutNode>
+</dgm:layoutDef>
+</file>
+
+<file path=ppt/diagrams/quickStyle1.xml><?xml version="1.0" encoding="utf-8"?>
+<dgm:styleDef xmlns:dgm="http://schemas.openxmlformats.org/drawingml/2006/diagram" xmlns:a="http://schemas.openxmlformats.org/drawingml/2006/main" uniqueId="urn:microsoft.com/office/officeart/2005/8/quickstyle/simple1">
+  <dgm:title val=""/>
+  <dgm:desc val=""/>
+  <dgm:catLst>
+    <dgm:cat type="simple" pri="10100"/>
+  </dgm:catLst>
+  <dgm:scene3d>
+    <a:camera prst="orthographicFront"/>
+    <a:lightRig rig="threePt" dir="t"/>
+  </dgm:scene3d>
+  <dgm:styleLbl name="node0">
+    <dgm:scene3d>
+      <a:camera prst="orthographicFront"/>
+      <a:lightRig rig="threePt" dir="t"/>
+    </dgm:scene3d>
+    <dgm:sp3d/>
+    <dgm:txPr/>
+    <dgm:style>
+      <a:lnRef idx="2">
+        <a:scrgbClr r="0" g="0" b="0"/>
+      </a:lnRef>
+      <a:fillRef idx="1">
+        <a:scrgbClr r="0" g="0" b="0"/>
+      </a:fillRef>
+      <a:effectRef idx="0">
+        <a:scrgbClr r="0" g="0" b="0"/>
+      </a:effectRef>
+      <a:fontRef idx="minor">
+        <a:schemeClr val="lt1"/>
+      </a:fontRef>
+    </dgm:style>
+  </dgm:styleLbl>
+  <dgm:styleLbl name="lnNode1">
+    <dgm:scene3d>
+      <a:camera prst="orthographicFront"/>
+      <a:lightRig rig="threePt" dir="t"/>
+    </dgm:scene3d>
+    <dgm:sp3d/>
+    <dgm:txPr/>
+    <dgm:style>
+      <a:lnRef idx="2">
+        <a:scrgbClr r="0" g="0" b="0"/>
+      </a:lnRef>
+      <a:fillRef idx="1">
+        <a:scrgbClr r="0" g="0" b="0"/>
+      </a:fillRef>
+      <a:effectRef idx="0">
+        <a:scrgbClr r="0" g="0" b="0"/>
+      </a:effectRef>
+      <a:fontRef idx="minor">
+        <a:schemeClr val="lt1"/>
+      </a:fontRef>
+    </dgm:style>
+  </dgm:styleLbl>
+  <dgm:styleLbl name="vennNode1">
+    <dgm:scene3d>
+      <a:camera prst="orthographicFront"/>
+      <a:lightRig rig="threePt" dir="t"/>
+    </dgm:scene3d>
+    <dgm:sp3d/>
+    <dgm:txPr/>
+    <dgm:style>
+      <a:lnRef idx="2">
+        <a:scrgbClr r="0" g="0" b="0"/>
+      </a:lnRef>
+      <a:fillRef idx="1">
+        <a:scrgbClr r="0" g="0" b="0"/>
+      </a:fillRef>
+      <a:effectRef idx="0">
+        <a:scrgbClr r="0" g="0" b="0"/>
+      </a:effectRef>
+      <a:fontRef idx="minor">
+        <a:schemeClr val="tx1"/>
+      </a:fontRef>
+    </dgm:style>
+  </dgm:styleLbl>
+  <dgm:styleLbl name="alignNode1">
+    <dgm:scene3d>
+      <a:camera prst="orthographicFront"/>
+      <a:lightRig rig="threePt" dir="t"/>
+    </dgm:scene3d>
+    <dgm:sp3d/>
+    <dgm:txPr/>
+    <dgm:style>
+      <a:lnRef idx="2">
+        <a:scrgbClr r="0" g="0" b="0"/>
+      </a:lnRef>
+      <a:fillRef idx="1">
+        <a:scrgbClr r="0" g="0" b="0"/>
+      </a:fillRef>
+      <a:effectRef idx="0">
+        <a:scrgbClr r="0" g="0" b="0"/>
+      </a:effectRef>
+      <a:fontRef idx="minor">
+        <a:schemeClr val="lt1"/>
+      </a:fontRef>
+    </dgm:style>
+  </dgm:styleLbl>
+  <dgm:styleLbl name="node1">
+    <dgm:scene3d>
+      <a:camera prst="orthographicFront"/>
+      <a:lightRig rig="threePt" dir="t"/>
+    </dgm:scene3d>
+    <dgm:sp3d/>
+    <dgm:txPr/>
+    <dgm:style>
+      <a:lnRef idx="2">
+        <a:scrgbClr r="0" g="0" b="0"/>
+      </a:lnRef>
+      <a:fillRef idx="1">
+        <a:scrgbClr r="0" g="0" b="0"/>
+      </a:fillRef>
+      <a:effectRef idx="0">
+        <a:scrgbClr r="0" g="0" b="0"/>
+      </a:effectRef>
+      <a:fontRef idx="minor">
+        <a:schemeClr val="lt1"/>
+      </a:fontRef>
+    </dgm:style>
+  </dgm:styleLbl>
+  <dgm:styleLbl name="node2">
+    <dgm:scene3d>
+      <a:camera prst="orthographicFront"/>
+      <a:lightRig rig="threePt" dir="t"/>
+    </dgm:scene3d>
+    <dgm:sp3d/>
+    <dgm:txPr/>
+    <dgm:style>
+      <a:lnRef idx="2">
+        <a:scrgbClr r="0" g="0" b="0"/>
+      </a:lnRef>
+      <a:fillRef idx="1">
+        <a:scrgbClr r="0" g="0" b="0"/>
+      </a:fillRef>
+      <a:effectRef idx="0">
+        <a:scrgbClr r="0" g="0" b="0"/>
+      </a:effectRef>
+      <a:fontRef idx="minor">
+        <a:schemeClr val="lt1"/>
+      </a:fontRef>
+    </dgm:style>
+  </dgm:styleLbl>
+  <dgm:styleLbl name="node3">
+    <dgm:scene3d>
+      <a:camera prst="orthographicFront"/>
+      <a:lightRig rig="threePt" dir="t"/>
+    </dgm:scene3d>
+    <dgm:sp3d/>
+    <dgm:txPr/>
+    <dgm:style>
+      <a:lnRef idx="2">
+        <a:scrgbClr r="0" g="0" b="0"/>
+      </a:lnRef>
+      <a:fillRef idx="1">
+        <a:scrgbClr r="0" g="0" b="0"/>
+      </a:fillRef>
+      <a:effectRef idx="0">
+        <a:scrgbClr r="0" g="0" b="0"/>
+      </a:effectRef>
+      <a:fontRef idx="minor">
+        <a:schemeClr val="lt1"/>
+      </a:fontRef>
+    </dgm:style>
+  </dgm:styleLbl>
+  <dgm:styleLbl name="node4">
+    <dgm:scene3d>
+      <a:camera prst="orthographicFront"/>
+      <a:lightRig rig="threePt" dir="t"/>
+    </dgm:scene3d>
+    <dgm:sp3d/>
+    <dgm:txPr/>
+    <dgm:style>
+      <a:lnRef idx="2">
+        <a:scrgbClr r="0" g="0" b="0"/>
+      </a:lnRef>
+      <a:fillRef idx="1">
+        <a:scrgbClr r="0" g="0" b="0"/>
+      </a:fillRef>
+      <a:effectRef idx="0">
+        <a:scrgbClr r="0" g="0" b="0"/>
+      </a:effectRef>
+      <a:fontRef idx="minor">
+        <a:schemeClr val="lt1"/>
+      </a:fontRef>
+    </dgm:style>
+  </dgm:styleLbl>
+  <dgm:styleLbl name="fgImgPlace1">
+    <dgm:scene3d>
+      <a:camera prst="orthographicFront"/>
+      <a:lightRig rig="threePt" dir="t"/>
+    </dgm:scene3d>
+    <dgm:sp3d/>
+    <dgm:txPr/>
+    <dgm:style>
+      <a:lnRef idx="2">
+        <a:scrgbClr r="0" g="0" b="0"/>
+      </a:lnRef>
+      <a:fillRef idx="1">
+        <a:scrgbClr r="0" g="0" b="0"/>
+      </a:fillRef>
+      <a:effectRef idx="0">
+        <a:scrgbClr r="0" g="0" b="0"/>
+      </a:effectRef>
+      <a:fontRef idx="minor"/>
+    </dgm:style>
+  </dgm:styleLbl>
+  <dgm:styleLbl name="alignImgPlace1">
+    <dgm:scene3d>
+      <a:camera prst="orthographicFront"/>
+      <a:lightRig rig="threePt" dir="t"/>
+    </dgm:scene3d>
+    <dgm:sp3d/>
+    <dgm:txPr/>
+    <dgm:style>
+      <a:lnRef idx="2">
+        <a:scrgbClr r="0" g="0" b="0"/>
+      </a:lnRef>
+      <a:fillRef idx="1">
+        <a:scrgbClr r="0" g="0" b="0"/>
+      </a:fillRef>
+      <a:effectRef idx="0">
+        <a:scrgbClr r="0" g="0" b="0"/>
+      </a:effectRef>
+      <a:fontRef idx="minor"/>
+    </dgm:style>
+  </dgm:styleLbl>
+  <dgm:styleLbl name="bgImgPlace1">
+    <dgm:scene3d>
+      <a:camera prst="orthographicFront"/>
+      <a:lightRig rig="threePt" dir="t"/>
+    </dgm:scene3d>
+    <dgm:sp3d/>
+    <dgm:txPr/>
+    <dgm:style>
+      <a:lnRef idx="2">
+        <a:scrgbClr r="0" g="0" b="0"/>
+      </a:lnRef>
+      <a:fillRef idx="1">
+        <a:scrgbClr r="0" g="0" b="0"/>
+      </a:fillRef>
+      <a:effectRef idx="0">
+        <a:scrgbClr r="0" g="0" b="0"/>
+      </a:effectRef>
+      <a:fontRef idx="minor"/>
+    </dgm:style>
+  </dgm:styleLbl>
+  <dgm:styleLbl name="sibTrans2D1">
+    <dgm:scene3d>
+      <a:camera prst="orthographicFront"/>
+      <a:lightRig rig="threePt" dir="t"/>
+    </dgm:scene3d>
+    <dgm:sp3d/>
+    <dgm:txPr/>
+    <dgm:style>
+      <a:lnRef idx="0">
+        <a:scrgbClr r="0" g="0" b="0"/>
+      </a:lnRef>
+      <a:fillRef idx="1">
+        <a:scrgbClr r="0" g="0" b="0"/>
+      </a:fillRef>
+      <a:effectRef idx="0">
+        <a:scrgbClr r="0" g="0" b="0"/>
+      </a:effectRef>
+      <a:fontRef idx="minor">
+        <a:schemeClr val="lt1"/>
+      </a:fontRef>
+    </dgm:style>
+  </dgm:styleLbl>
+  <dgm:styleLbl name="fgSibTrans2D1">
+    <dgm:scene3d>
+      <a:camera prst="orthographicFront"/>
+      <a:lightRig rig="threePt" dir="t"/>
+    </dgm:scene3d>
+    <dgm:sp3d/>
+    <dgm:txPr/>
+    <dgm:style>
+      <a:lnRef idx="0">
+        <a:scrgbClr r="0" g="0" b="0"/>
+      </a:lnRef>
+      <a:fillRef idx="1">
+        <a:scrgbClr r="0" g="0" b="0"/>
+      </a:fillRef>
+      <a:effectRef idx="0">
+        <a:scrgbClr r="0" g="0" b="0"/>
+      </a:effectRef>
+      <a:fontRef idx="minor">
+        <a:schemeClr val="lt1"/>
+      </a:fontRef>
+    </dgm:style>
+  </dgm:styleLbl>
+  <dgm:styleLbl name="bgSibTrans2D1">
+    <dgm:scene3d>
+      <a:camera prst="orthographicFront"/>
+      <a:lightRig rig="threePt" dir="t"/>
+    </dgm:scene3d>
+    <dgm:sp3d/>
+    <dgm:txPr/>
+    <dgm:style>
+      <a:lnRef idx="0">
+        <a:scrgbClr r="0" g="0" b="0"/>
+      </a:lnRef>
+      <a:fillRef idx="1">
+        <a:scrgbClr r="0" g="0" b="0"/>
+      </a:fillRef>
+      <a:effectRef idx="0">
+        <a:scrgbClr r="0" g="0" b="0"/>
+      </a:effectRef>
+      <a:fontRef idx="minor">
+        <a:schemeClr val="lt1"/>
+      </a:fontRef>
+    </dgm:style>
+  </dgm:styleLbl>
+  <dgm:styleLbl name="sibTrans1D1">
+    <dgm:scene3d>
+      <a:camera prst="orthographicFront"/>
+      <a:lightRig rig="threePt" dir="t"/>
+    </dgm:scene3d>
+    <dgm:sp3d/>
+    <dgm:txPr/>
+    <dgm:style>
+      <a:lnRef idx="1">
+        <a:scrgbClr r="0" g="0" b="0"/>
+      </a:lnRef>
+      <a:fillRef idx="0">
+        <a:scrgbClr r="0" g="0" b="0"/>
+      </a:fillRef>
+      <a:effectRef idx="0">
+        <a:scrgbClr r="0" g="0" b="0"/>
+      </a:effectRef>
+      <a:fontRef idx="minor"/>
+    </dgm:style>
+  </dgm:styleLbl>
+  <dgm:styleLbl name="callout">
+    <dgm:scene3d>
+      <a:camera prst="orthographicFront"/>
+      <a:lightRig rig="threePt" dir="t"/>
+    </dgm:scene3d>
+    <dgm:sp3d/>
+    <dgm:txPr/>
+    <dgm:style>
+      <a:lnRef idx="2">
+        <a:scrgbClr r="0" g="0" b="0"/>
+      </a:lnRef>
+      <a:fillRef idx="1">
+        <a:scrgbClr r="0" g="0" b="0"/>
+      </a:fillRef>
+      <a:effectRef idx="0">
+        <a:scrgbClr r="0" g="0" b="0"/>
+      </a:effectRef>
+      <a:fontRef idx="minor"/>
+    </dgm:style>
+  </dgm:styleLbl>
+  <dgm:styleLbl name="asst0">
+    <dgm:scene3d>
+      <a:camera prst="orthographicFront"/>
+      <a:lightRig rig="threePt" dir="t"/>
+    </dgm:scene3d>
+    <dgm:sp3d/>
+    <dgm:txPr/>
+    <dgm:style>
+      <a:lnRef idx="2">
+        <a:scrgbClr r="0" g="0" b="0"/>
+      </a:lnRef>
+      <a:fillRef idx="1">
+        <a:scrgbClr r="0" g="0" b="0"/>
+      </a:fillRef>
+      <a:effectRef idx="0">
+        <a:scrgbClr r="0" g="0" b="0"/>
+      </a:effectRef>
+      <a:fontRef idx="minor">
+        <a:schemeClr val="lt1"/>
+      </a:fontRef>
+    </dgm:style>
+  </dgm:styleLbl>
+  <dgm:styleLbl name="asst1">
+    <dgm:scene3d>
+      <a:camera prst="orthographicFront"/>
+      <a:lightRig rig="threePt" dir="t"/>
+    </dgm:scene3d>
+    <dgm:sp3d/>
+    <dgm:txPr/>
+    <dgm:style>
+      <a:lnRef idx="2">
+        <a:scrgbClr r="0" g="0" b="0"/>
+      </a:lnRef>
+      <a:fillRef idx="1">
+        <a:scrgbClr r="0" g="0" b="0"/>
+      </a:fillRef>
+      <a:effectRef idx="0">
+        <a:scrgbClr r="0" g="0" b="0"/>
+      </a:effectRef>
+      <a:fontRef idx="minor">
+        <a:schemeClr val="lt1"/>
+      </a:fontRef>
+    </dgm:style>
+  </dgm:styleLbl>
+  <dgm:styleLbl name="asst2">
+    <dgm:scene3d>
+      <a:camera prst="orthographicFront"/>
+      <a:lightRig rig="threePt" dir="t"/>
+    </dgm:scene3d>
+    <dgm:sp3d/>
+    <dgm:txPr/>
+    <dgm:style>
+      <a:lnRef idx="2">
+        <a:scrgbClr r="0" g="0" b="0"/>
+      </a:lnRef>
+      <a:fillRef idx="1">
+        <a:scrgbClr r="0" g="0" b="0"/>
+      </a:fillRef>
+      <a:effectRef idx="0">
+        <a:scrgbClr r="0" g="0" b="0"/>
+      </a:effectRef>
+      <a:fontRef idx="minor">
+        <a:schemeClr val="lt1"/>
+      </a:fontRef>
+    </dgm:style>
+  </dgm:styleLbl>
+  <dgm:styleLbl name="asst3">
+    <dgm:scene3d>
+      <a:camera prst="orthographicFront"/>
+      <a:lightRig rig="threePt" dir="t"/>
+    </dgm:scene3d>
+    <dgm:sp3d/>
+    <dgm:txPr/>
+    <dgm:style>
+      <a:lnRef idx="2">
+        <a:scrgbClr r="0" g="0" b="0"/>
+      </a:lnRef>
+      <a:fillRef idx="1">
+        <a:scrgbClr r="0" g="0" b="0"/>
+      </a:fillRef>
+      <a:effectRef idx="0">
+        <a:scrgbClr r="0" g="0" b="0"/>
+      </a:effectRef>
+      <a:fontRef idx="minor">
+        <a:schemeClr val="lt1"/>
+      </a:fontRef>
+    </dgm:style>
+  </dgm:styleLbl>
+  <dgm:styleLbl name="asst4">
+    <dgm:scene3d>
+      <a:camera prst="orthographicFront"/>
+      <a:lightRig rig="threePt" dir="t"/>
+    </dgm:scene3d>
+    <dgm:sp3d/>
+    <dgm:txPr/>
+    <dgm:style>
+      <a:lnRef idx="2">
+        <a:scrgbClr r="0" g="0" b="0"/>
+      </a:lnRef>
+      <a:fillRef idx="1">
+        <a:scrgbClr r="0" g="0" b="0"/>
+      </a:fillRef>
+      <a:effectRef idx="0">
+        <a:scrgbClr r="0" g="0" b="0"/>
+      </a:effectRef>
+      <a:fontRef idx="minor">
+        <a:schemeClr val="lt1"/>
+      </a:fontRef>
+    </dgm:style>
+  </dgm:styleLbl>
+  <dgm:styleLbl name="parChTrans2D1">
+    <dgm:scene3d>
+      <a:camera prst="orthographicFront"/>
+      <a:lightRig rig="threePt" dir="t"/>
+    </dgm:scene3d>
+    <dgm:sp3d/>
+    <dgm:txPr/>
+    <dgm:style>
+      <a:lnRef idx="2">
+        <a:scrgbClr r="0" g="0" b="0"/>
+      </a:lnRef>
+      <a:fillRef idx="1">
+        <a:scrgbClr r="0" g="0" b="0"/>
+      </a:fillRef>
+      <a:effectRef idx="0">
+        <a:scrgbClr r="0" g="0" b="0"/>
+      </a:effectRef>
+      <a:fontRef idx="minor">
+        <a:schemeClr val="lt1"/>
+      </a:fontRef>
+    </dgm:style>
+  </dgm:styleLbl>
+  <dgm:styleLbl name="parChTrans2D2">
+    <dgm:scene3d>
+      <a:camera prst="orthographicFront"/>
+      <a:lightRig rig="threePt" dir="t"/>
+    </dgm:scene3d>
+    <dgm:sp3d/>
+    <dgm:txPr/>
+    <dgm:style>
+      <a:lnRef idx="2">
+        <a:scrgbClr r="0" g="0" b="0"/>
+      </a:lnRef>
+      <a:fillRef idx="1">
+        <a:scrgbClr r="0" g="0" b="0"/>
+      </a:fillRef>
+      <a:effectRef idx="0">
+        <a:scrgbClr r="0" g="0" b="0"/>
+      </a:effectRef>
+      <a:fontRef idx="minor">
+        <a:schemeClr val="lt1"/>
+      </a:fontRef>
+    </dgm:style>
+  </dgm:styleLbl>
+  <dgm:styleLbl name="parChTrans2D3">
+    <dgm:scene3d>
+      <a:camera prst="orthographicFront"/>
+      <a:lightRig rig="threePt" dir="t"/>
+    </dgm:scene3d>
+    <dgm:sp3d/>
+    <dgm:txPr/>
+    <dgm:style>
+      <a:lnRef idx="2">
+        <a:scrgbClr r="0" g="0" b="0"/>
+      </a:lnRef>
+      <a:fillRef idx="1">
+        <a:scrgbClr r="0" g="0" b="0"/>
+      </a:fillRef>
+      <a:effectRef idx="0">
+        <a:scrgbClr r="0" g="0" b="0"/>
+      </a:effectRef>
+      <a:fontRef idx="minor">
+        <a:schemeClr val="lt1"/>
+      </a:fontRef>
+    </dgm:style>
+  </dgm:styleLbl>
+  <dgm:styleLbl name="parChTrans2D4">
+    <dgm:scene3d>
+      <a:camera prst="orthographicFront"/>
+      <a:lightRig rig="threePt" dir="t"/>
+    </dgm:scene3d>
+    <dgm:sp3d/>
+    <dgm:txPr/>
+    <dgm:style>
+      <a:lnRef idx="2">
+        <a:scrgbClr r="0" g="0" b="0"/>
+      </a:lnRef>
+      <a:fillRef idx="1">
+        <a:scrgbClr r="0" g="0" b="0"/>
+      </a:fillRef>
+      <a:effectRef idx="0">
+        <a:scrgbClr r="0" g="0" b="0"/>
+      </a:effectRef>
+      <a:fontRef idx="minor">
+        <a:schemeClr val="lt1"/>
+      </a:fontRef>
+    </dgm:style>
+  </dgm:styleLbl>
+  <dgm:styleLbl name="parChTrans1D1">
+    <dgm:scene3d>
+      <a:camera prst="orthographicFront"/>
+      <a:lightRig rig="threePt" dir="t"/>
+    </dgm:scene3d>
+    <dgm:sp3d/>
+    <dgm:txPr/>
+    <dgm:style>
+      <a:lnRef idx="2">
+        <a:scrgbClr r="0" g="0" b="0"/>
+      </a:lnRef>
+      <a:fillRef idx="0">
+        <a:scrgbClr r="0" g="0" b="0"/>
+      </a:fillRef>
+      <a:effectRef idx="0">
+        <a:scrgbClr r="0" g="0" b="0"/>
+      </a:effectRef>
+      <a:fontRef idx="minor"/>
+    </dgm:style>
+  </dgm:styleLbl>
+  <dgm:styleLbl name="parChTrans1D2">
+    <dgm:scene3d>
+      <a:camera prst="orthographicFront"/>
+      <a:lightRig rig="threePt" dir="t"/>
+    </dgm:scene3d>
+    <dgm:sp3d/>
+    <dgm:txPr/>
+    <dgm:style>
+      <a:lnRef idx="2">
+        <a:scrgbClr r="0" g="0" b="0"/>
+      </a:lnRef>
+      <a:fillRef idx="0">
+        <a:scrgbClr r="0" g="0" b="0"/>
+      </a:fillRef>
+      <a:effectRef idx="0">
+        <a:scrgbClr r="0" g="0" b="0"/>
+      </a:effectRef>
+      <a:fontRef idx="minor"/>
+    </dgm:style>
+  </dgm:styleLbl>
+  <dgm:styleLbl name="parChTrans1D3">
+    <dgm:scene3d>
+      <a:camera prst="orthographicFront"/>
+      <a:lightRig rig="threePt" dir="t"/>
+    </dgm:scene3d>
+    <dgm:sp3d/>
+    <dgm:txPr/>
+    <dgm:style>
+      <a:lnRef idx="2">
+        <a:scrgbClr r="0" g="0" b="0"/>
+      </a:lnRef>
+      <a:fillRef idx="0">
+        <a:scrgbClr r="0" g="0" b="0"/>
+      </a:fillRef>
+      <a:effectRef idx="0">
+        <a:scrgbClr r="0" g="0" b="0"/>
+      </a:effectRef>
+      <a:fontRef idx="minor"/>
+    </dgm:style>
+  </dgm:styleLbl>
+  <dgm:styleLbl name="parChTrans1D4">
+    <dgm:scene3d>
+      <a:camera prst="orthographicFront"/>
+      <a:lightRig rig="threePt" dir="t"/>
+    </dgm:scene3d>
+    <dgm:sp3d/>
+    <dgm:txPr/>
+    <dgm:style>
+      <a:lnRef idx="2">
+        <a:scrgbClr r="0" g="0" b="0"/>
+      </a:lnRef>
+      <a:fillRef idx="0">
+        <a:scrgbClr r="0" g="0" b="0"/>
+      </a:fillRef>
+      <a:effectRef idx="0">
+        <a:scrgbClr r="0" g="0" b="0"/>
+      </a:effectRef>
+      <a:fontRef idx="minor"/>
+    </dgm:style>
+  </dgm:styleLbl>
+  <dgm:styleLbl name="fgAcc1">
+    <dgm:scene3d>
+      <a:camera prst="orthographicFront"/>
+      <a:lightRig rig="threePt" dir="t"/>
+    </dgm:scene3d>
+    <dgm:sp3d/>
+    <dgm:txPr/>
+    <dgm:style>
+      <a:lnRef idx="2">
+        <a:scrgbClr r="0" g="0" b="0"/>
+      </a:lnRef>
+      <a:fillRef idx="1">
+        <a:scrgbClr r="0" g="0" b="0"/>
+      </a:fillRef>
+      <a:effectRef idx="0">
+        <a:scrgbClr r="0" g="0" b="0"/>
+      </a:effectRef>
+      <a:fontRef idx="minor"/>
+    </dgm:style>
+  </dgm:styleLbl>
+  <dgm:styleLbl name="conFgAcc1">
+    <dgm:scene3d>
+      <a:camera prst="orthographicFront"/>
+      <a:lightRig rig="threePt" dir="t"/>
+    </dgm:scene3d>
+    <dgm:sp3d/>
+    <dgm:txPr/>
+    <dgm:style>
+      <a:lnRef idx="2">
+        <a:scrgbClr r="0" g="0" b="0"/>
+      </a:lnRef>
+      <a:fillRef idx="1">
+        <a:scrgbClr r="0" g="0" b="0"/>
+      </a:fillRef>
+      <a:effectRef idx="0">
+        <a:scrgbClr r="0" g="0" b="0"/>
+      </a:effectRef>
+      <a:fontRef idx="minor"/>
+    </dgm:style>
+  </dgm:styleLbl>
+  <dgm:styleLbl name="alignAcc1">
+    <dgm:scene3d>
+      <a:camera prst="orthographicFront"/>
+      <a:lightRig rig="threePt" dir="t"/>
+    </dgm:scene3d>
+    <dgm:sp3d/>
+    <dgm:txPr/>
+    <dgm:style>
+      <a:lnRef idx="2">
+        <a:scrgbClr r="0" g="0" b="0"/>
+      </a:lnRef>
+      <a:fillRef idx="1">
+        <a:scrgbClr r="0" g="0" b="0"/>
+      </a:fillRef>
+      <a:effectRef idx="0">
+        <a:scrgbClr r="0" g="0" b="0"/>
+      </a:effectRef>
+      <a:fontRef idx="minor"/>
+    </dgm:style>
+  </dgm:styleLbl>
+  <dgm:styleLbl name="trAlignAcc1">
+    <dgm:scene3d>
+      <a:camera prst="orthographicFront"/>
+      <a:lightRig rig="threePt" dir="t"/>
+    </dgm:scene3d>
+    <dgm:sp3d/>
+    <dgm:txPr/>
+    <dgm:style>
+      <a:lnRef idx="1">
+        <a:scrgbClr r="0" g="0" b="0"/>
+      </a:lnRef>
+      <a:fillRef idx="1">
+        <a:scrgbClr r="0" g="0" b="0"/>
+      </a:fillRef>
+      <a:effectRef idx="0">
+        <a:scrgbClr r="0" g="0" b="0"/>
+      </a:effectRef>
+      <a:fontRef idx="minor"/>
+    </dgm:style>
+  </dgm:styleLbl>
+  <dgm:styleLbl name="bgAcc1">
+    <dgm:scene3d>
+      <a:camera prst="orthographicFront"/>
+      <a:lightRig rig="threePt" dir="t"/>
+    </dgm:scene3d>
+    <dgm:sp3d/>
+    <dgm:txPr/>
+    <dgm:style>
+      <a:lnRef idx="2">
+        <a:scrgbClr r="0" g="0" b="0"/>
+      </a:lnRef>
+      <a:fillRef idx="1">
+        <a:scrgbClr r="0" g="0" b="0"/>
+      </a:fillRef>
+      <a:effectRef idx="0">
+        <a:scrgbClr r="0" g="0" b="0"/>
+      </a:effectRef>
+      <a:fontRef idx="minor"/>
+    </dgm:style>
+  </dgm:styleLbl>
+  <dgm:styleLbl name="solidFgAcc1">
+    <dgm:scene3d>
+      <a:camera prst="orthographicFront"/>
+      <a:lightRig rig="threePt" dir="t"/>
+    </dgm:scene3d>
+    <dgm:sp3d/>
+    <dgm:txPr/>
+    <dgm:style>
+      <a:lnRef idx="2">
+        <a:scrgbClr r="0" g="0" b="0"/>
+      </a:lnRef>
+      <a:fillRef idx="1">
+        <a:scrgbClr r="0" g="0" b="0"/>
+      </a:fillRef>
+      <a:effectRef idx="0">
+        <a:scrgbClr r="0" g="0" b="0"/>
+      </a:effectRef>
+      <a:fontRef idx="minor"/>
+    </dgm:style>
+  </dgm:styleLbl>
+  <dgm:styleLbl name="solidAlignAcc1">
+    <dgm:scene3d>
+      <a:camera prst="orthographicFront"/>
+      <a:lightRig rig="threePt" dir="t"/>
+    </dgm:scene3d>
+    <dgm:sp3d/>
+    <dgm:txPr/>
+    <dgm:style>
+      <a:lnRef idx="2">
+        <a:scrgbClr r="0" g="0" b="0"/>
+      </a:lnRef>
+      <a:fillRef idx="1">
+        <a:scrgbClr r="0" g="0" b="0"/>
+      </a:fillRef>
+      <a:effectRef idx="0">
+        <a:scrgbClr r="0" g="0" b="0"/>
+      </a:effectRef>
+      <a:fontRef idx="minor"/>
+    </dgm:style>
+  </dgm:styleLbl>
+  <dgm:styleLbl name="solidBgAcc1">
+    <dgm:scene3d>
+      <a:camera prst="orthographicFront"/>
+      <a:lightRig rig="threePt" dir="t"/>
+    </dgm:scene3d>
+    <dgm:sp3d/>
+    <dgm:txPr/>
+    <dgm:style>
+      <a:lnRef idx="2">
+        <a:scrgbClr r="0" g="0" b="0"/>
+      </a:lnRef>
+      <a:fillRef idx="1">
+        <a:scrgbClr r="0" g="0" b="0"/>
+      </a:fillRef>
+      <a:effectRef idx="0">
+        <a:scrgbClr r="0" g="0" b="0"/>
+      </a:effectRef>
+      <a:fontRef idx="minor"/>
+    </dgm:style>
+  </dgm:styleLbl>
+  <dgm:styleLbl name="fgAccFollowNode1">
+    <dgm:scene3d>
+      <a:camera prst="orthographicFront"/>
+      <a:lightRig rig="threePt" dir="t"/>
+    </dgm:scene3d>
+    <dgm:sp3d/>
+    <dgm:txPr/>
+    <dgm:style>
+      <a:lnRef idx="2">
+        <a:scrgbClr r="0" g="0" b="0"/>
+      </a:lnRef>
+      <a:fillRef idx="1">
+        <a:scrgbClr r="0" g="0" b="0"/>
+      </a:fillRef>
+      <a:effectRef idx="0">
+        <a:scrgbClr r="0" g="0" b="0"/>
+      </a:effectRef>
+      <a:fontRef idx="minor"/>
+    </dgm:style>
+  </dgm:styleLbl>
+  <dgm:styleLbl name="alignAccFollowNode1">
+    <dgm:scene3d>
+      <a:camera prst="orthographicFront"/>
+      <a:lightRig rig="threePt" dir="t"/>
+    </dgm:scene3d>
+    <dgm:sp3d/>
+    <dgm:txPr/>
+    <dgm:style>
+      <a:lnRef idx="2">
+        <a:scrgbClr r="0" g="0" b="0"/>
+      </a:lnRef>
+      <a:fillRef idx="1">
+        <a:scrgbClr r="0" g="0" b="0"/>
+      </a:fillRef>
+      <a:effectRef idx="0">
+        <a:scrgbClr r="0" g="0" b="0"/>
+      </a:effectRef>
+      <a:fontRef idx="minor"/>
+    </dgm:style>
+  </dgm:styleLbl>
+  <dgm:styleLbl name="bgAccFollowNode1">
+    <dgm:scene3d>
+      <a:camera prst="orthographicFront"/>
+      <a:lightRig rig="threePt" dir="t"/>
+    </dgm:scene3d>
+    <dgm:sp3d/>
+    <dgm:txPr/>
+    <dgm:style>
+      <a:lnRef idx="2">
+        <a:scrgbClr r="0" g="0" b="0"/>
+      </a:lnRef>
+      <a:fillRef idx="1">
+        <a:scrgbClr r="0" g="0" b="0"/>
+      </a:fillRef>
+      <a:effectRef idx="0">
+        <a:scrgbClr r="0" g="0" b="0"/>
+      </a:effectRef>
+      <a:fontRef idx="minor"/>
+    </dgm:style>
+  </dgm:styleLbl>
+  <dgm:styleLbl name="fgAcc0">
+    <dgm:scene3d>
+      <a:camera prst="orthographicFront"/>
+      <a:lightRig rig="threePt" dir="t"/>
+    </dgm:scene3d>
+    <dgm:sp3d/>
+    <dgm:txPr/>
+    <dgm:style>
+      <a:lnRef idx="2">
+        <a:scrgbClr r="0" g="0" b="0"/>
+      </a:lnRef>
+      <a:fillRef idx="1">
+        <a:scrgbClr r="0" g="0" b="0"/>
+      </a:fillRef>
+      <a:effectRef idx="0">
+        <a:scrgbClr r="0" g="0" b="0"/>
+      </a:effectRef>
+      <a:fontRef idx="minor"/>
+    </dgm:style>
+  </dgm:styleLbl>
+  <dgm:styleLbl name="fgAcc2">
+    <dgm:scene3d>
+      <a:camera prst="orthographicFront"/>
+      <a:lightRig rig="threePt" dir="t"/>
+    </dgm:scene3d>
+    <dgm:sp3d/>
+    <dgm:txPr/>
+    <dgm:style>
+      <a:lnRef idx="2">
+        <a:scrgbClr r="0" g="0" b="0"/>
+      </a:lnRef>
+      <a:fillRef idx="1">
+        <a:scrgbClr r="0" g="0" b="0"/>
+      </a:fillRef>
+      <a:effectRef idx="0">
+        <a:scrgbClr r="0" g="0" b="0"/>
+      </a:effectRef>
+      <a:fontRef idx="minor"/>
+    </dgm:style>
+  </dgm:styleLbl>
+  <dgm:styleLbl name="fgAcc3">
+    <dgm:scene3d>
+      <a:camera prst="orthographicFront"/>
+      <a:lightRig rig="threePt" dir="t"/>
+    </dgm:scene3d>
+    <dgm:sp3d/>
+    <dgm:txPr/>
+    <dgm:style>
+      <a:lnRef idx="2">
+        <a:scrgbClr r="0" g="0" b="0"/>
+      </a:lnRef>
+      <a:fillRef idx="1">
+        <a:scrgbClr r="0" g="0" b="0"/>
+      </a:fillRef>
+      <a:effectRef idx="0">
+        <a:scrgbClr r="0" g="0" b="0"/>
+      </a:effectRef>
+      <a:fontRef idx="minor"/>
+    </dgm:style>
+  </dgm:styleLbl>
+  <dgm:styleLbl name="fgAcc4">
+    <dgm:scene3d>
+      <a:camera prst="orthographicFront"/>
+      <a:lightRig rig="threePt" dir="t"/>
+    </dgm:scene3d>
+    <dgm:sp3d/>
+    <dgm:txPr/>
+    <dgm:style>
+      <a:lnRef idx="2">
+        <a:scrgbClr r="0" g="0" b="0"/>
+      </a:lnRef>
+      <a:fillRef idx="1">
+        <a:scrgbClr r="0" g="0" b="0"/>
+      </a:fillRef>
+      <a:effectRef idx="0">
+        <a:scrgbClr r="0" g="0" b="0"/>
+      </a:effectRef>
+      <a:fontRef idx="minor"/>
+    </dgm:style>
+  </dgm:styleLbl>
+  <dgm:styleLbl name="bgShp">
+    <dgm:scene3d>
+      <a:camera prst="orthographicFront"/>
+      <a:lightRig rig="threePt" dir="t"/>
+    </dgm:scene3d>
+    <dgm:sp3d/>
+    <dgm:txPr/>
+    <dgm:style>
+      <a:lnRef idx="0">
+        <a:scrgbClr r="0" g="0" b="0"/>
+      </a:lnRef>
+      <a:fillRef idx="1">
+        <a:scrgbClr r="0" g="0" b="0"/>
+      </a:fillRef>
+      <a:effectRef idx="0">
+        <a:scrgbClr r="0" g="0" b="0"/>
+      </a:effectRef>
+      <a:fontRef idx="minor"/>
+    </dgm:style>
+  </dgm:styleLbl>
+  <dgm:styleLbl name="dkBgShp">
+    <dgm:scene3d>
+      <a:camera prst="orthographicFront"/>
+      <a:lightRig rig="threePt" dir="t"/>
+    </dgm:scene3d>
+    <dgm:sp3d/>
+    <dgm:txPr/>
+    <dgm:style>
+      <a:lnRef idx="0">
+        <a:scrgbClr r="0" g="0" b="0"/>
+      </a:lnRef>
+      <a:fillRef idx="1">
+        <a:scrgbClr r="0" g="0" b="0"/>
+      </a:fillRef>
+      <a:effectRef idx="0">
+        <a:scrgbClr r="0" g="0" b="0"/>
+      </a:effectRef>
+      <a:fontRef idx="minor"/>
+    </dgm:style>
+  </dgm:styleLbl>
+  <dgm:styleLbl name="trBgShp">
+    <dgm:scene3d>
+      <a:camera prst="orthographicFront"/>
+      <a:lightRig rig="threePt" dir="t"/>
+    </dgm:scene3d>
+    <dgm:sp3d/>
+    <dgm:txPr/>
+    <dgm:style>
+      <a:lnRef idx="0">
+        <a:scrgbClr r="0" g="0" b="0"/>
+      </a:lnRef>
+      <a:fillRef idx="1">
+        <a:scrgbClr r="0" g="0" b="0"/>
+      </a:fillRef>
+      <a:effectRef idx="0">
+        <a:scrgbClr r="0" g="0" b="0"/>
+      </a:effectRef>
+      <a:fontRef idx="minor"/>
+    </dgm:style>
+  </dgm:styleLbl>
+  <dgm:styleLbl name="fgShp">
+    <dgm:scene3d>
+      <a:camera prst="orthographicFront"/>
+      <a:lightRig rig="threePt" dir="t"/>
+    </dgm:scene3d>
+    <dgm:sp3d/>
+    <dgm:txPr/>
+    <dgm:style>
+      <a:lnRef idx="2">
+        <a:scrgbClr r="0" g="0" b="0"/>
+      </a:lnRef>
+      <a:fillRef idx="1">
+        <a:scrgbClr r="0" g="0" b="0"/>
+      </a:fillRef>
+      <a:effectRef idx="0">
+        <a:scrgbClr r="0" g="0" b="0"/>
+      </a:effectRef>
+      <a:fontRef idx="minor"/>
+    </dgm:style>
+  </dgm:styleLbl>
+  <dgm:styleLbl name="revTx">
+    <dgm:scene3d>
+      <a:camera prst="orthographicFront"/>
+      <a:lightRig rig="threePt" dir="t"/>
+    </dgm:scene3d>
+    <dgm:sp3d/>
+    <dgm:txPr/>
+    <dgm:style>
+      <a:lnRef idx="0">
+        <a:scrgbClr r="0" g="0" b="0"/>
+      </a:lnRef>
+      <a:fillRef idx="0">
+        <a:scrgbClr r="0" g="0" b="0"/>
+      </a:fillRef>
+      <a:effectRef idx="0">
+        <a:scrgbClr r="0" g="0" b="0"/>
+      </a:effectRef>
+      <a:fontRef idx="minor"/>
+    </dgm:style>
+  </dgm:styleLbl>
+</dgm:styleDef>
 </file>
 
 <file path=ppt/slideLayouts/slideLayout1.xml><?xml version="1.0" encoding="utf-8"?>
@@ -3347,6 +6489,93 @@
         </p:nvSpPr>
         <p:spPr>
           <a:xfrm>
+            <a:off x="457200" y="76200"/>
+            <a:ext cx="7620000" cy="808038"/>
+          </a:xfrm>
+        </p:spPr>
+        <p:txBody>
+          <a:bodyPr/>
+          <a:lstStyle/>
+          <a:p>
+            <a:r>
+              <a:rPr lang="en-US" dirty="0" smtClean="0"/>
+              <a:t>Fuzzy search</a:t>
+            </a:r>
+            <a:endParaRPr lang="en-US" dirty="0"/>
+          </a:p>
+        </p:txBody>
+      </p:sp>
+      <p:graphicFrame>
+        <p:nvGraphicFramePr>
+          <p:cNvPr id="4" name="Diagram 3"/>
+          <p:cNvGraphicFramePr/>
+          <p:nvPr>
+            <p:extLst>
+              <p:ext uri="{D42A27DB-BD31-4B8C-83A1-F6EECF244321}">
+                <p14:modId xmlns:p14="http://schemas.microsoft.com/office/powerpoint/2010/main" val="3828351423"/>
+              </p:ext>
+            </p:extLst>
+          </p:nvPr>
+        </p:nvGraphicFramePr>
+        <p:xfrm>
+          <a:off x="685800" y="1143000"/>
+          <a:ext cx="7467600" cy="5384800"/>
+        </p:xfrm>
+        <a:graphic>
+          <a:graphicData uri="http://schemas.openxmlformats.org/drawingml/2006/diagram">
+            <dgm:relIds xmlns:dgm="http://schemas.openxmlformats.org/drawingml/2006/diagram" xmlns:r="http://schemas.openxmlformats.org/officeDocument/2006/relationships" r:dm="rId2" r:lo="rId3" r:qs="rId4" r:cs="rId5"/>
+          </a:graphicData>
+        </a:graphic>
+      </p:graphicFrame>
+    </p:spTree>
+    <p:extLst>
+      <p:ext uri="{BB962C8B-B14F-4D97-AF65-F5344CB8AC3E}">
+        <p14:creationId xmlns:p14="http://schemas.microsoft.com/office/powerpoint/2010/main" val="1946679751"/>
+      </p:ext>
+    </p:extLst>
+  </p:cSld>
+  <p:clrMapOvr>
+    <a:masterClrMapping/>
+  </p:clrMapOvr>
+  <p:timing>
+    <p:tnLst>
+      <p:par>
+        <p:cTn id="1" dur="indefinite" restart="never" nodeType="tmRoot"/>
+      </p:par>
+    </p:tnLst>
+  </p:timing>
+</p:sld>
+</file>
+
+<file path=ppt/slides/slide3.xml><?xml version="1.0" encoding="utf-8"?>
+<p:sld xmlns:a="http://schemas.openxmlformats.org/drawingml/2006/main" xmlns:r="http://schemas.openxmlformats.org/officeDocument/2006/relationships" xmlns:p="http://schemas.openxmlformats.org/presentationml/2006/main">
+  <p:cSld>
+    <p:spTree>
+      <p:nvGrpSpPr>
+        <p:cNvPr id="1" name=""/>
+        <p:cNvGrpSpPr/>
+        <p:nvPr/>
+      </p:nvGrpSpPr>
+      <p:grpSpPr>
+        <a:xfrm>
+          <a:off x="0" y="0"/>
+          <a:ext cx="0" cy="0"/>
+          <a:chOff x="0" y="0"/>
+          <a:chExt cx="0" cy="0"/>
+        </a:xfrm>
+      </p:grpSpPr>
+      <p:sp>
+        <p:nvSpPr>
+          <p:cNvPr id="2" name="Title 1"/>
+          <p:cNvSpPr>
+            <a:spLocks noGrp="1"/>
+          </p:cNvSpPr>
+          <p:nvPr>
+            <p:ph type="title"/>
+          </p:nvPr>
+        </p:nvSpPr>
+        <p:spPr>
+          <a:xfrm>
             <a:off x="278209" y="0"/>
             <a:ext cx="7620000" cy="1143000"/>
           </a:xfrm>
@@ -5634,7 +8863,7 @@
 </p:sld>
 </file>
 
-<file path=ppt/slides/slide3.xml><?xml version="1.0" encoding="utf-8"?>
+<file path=ppt/slides/slide4.xml><?xml version="1.0" encoding="utf-8"?>
 <p:sld xmlns:a="http://schemas.openxmlformats.org/drawingml/2006/main" xmlns:r="http://schemas.openxmlformats.org/officeDocument/2006/relationships" xmlns:p="http://schemas.openxmlformats.org/presentationml/2006/main">
   <p:cSld>
     <p:spTree>
@@ -8368,7 +11597,7 @@
 </p:sld>
 </file>
 
-<file path=ppt/slides/slide4.xml><?xml version="1.0" encoding="utf-8"?>
+<file path=ppt/slides/slide5.xml><?xml version="1.0" encoding="utf-8"?>
 <p:sld xmlns:a="http://schemas.openxmlformats.org/drawingml/2006/main" xmlns:r="http://schemas.openxmlformats.org/officeDocument/2006/relationships" xmlns:p="http://schemas.openxmlformats.org/presentationml/2006/main">
   <p:cSld>
     <p:spTree>

--- a/trunk/Document/SubSlide.pptx
+++ b/trunk/Document/SubSlide.pptx
@@ -921,12 +921,12 @@
             <a:t>Using fuzzy to compute if </a:t>
           </a:r>
           <a:r>
-            <a:rPr lang="en-US" sz="1800" dirty="0" err="1" smtClean="0"/>
-            <a:t>mathch</a:t>
+            <a:rPr lang="en-US" sz="1800" dirty="0" smtClean="0"/>
+            <a:t>match </a:t>
           </a:r>
           <a:r>
             <a:rPr lang="en-US" sz="1800" dirty="0" smtClean="0"/>
-            <a:t> &gt;= 50%</a:t>
+            <a:t>&gt;= 50%</a:t>
           </a:r>
           <a:endParaRPr lang="en-US" sz="1800" dirty="0"/>
         </a:p>
@@ -962,8 +962,8 @@
         <a:lstStyle/>
         <a:p>
           <a:r>
-            <a:rPr lang="en-US" sz="1800" dirty="0" err="1" smtClean="0"/>
-            <a:t>ReduceRedundancy</a:t>
+            <a:rPr lang="en-US" sz="1800" smtClean="0"/>
+            <a:t>Reduce Redundancy</a:t>
           </a:r>
           <a:endParaRPr lang="en-US" sz="1800" dirty="0"/>
         </a:p>
@@ -1003,8 +1003,8 @@
             <a:t>Sort by </a:t>
           </a:r>
           <a:r>
-            <a:rPr lang="en-US" sz="1800" dirty="0" err="1" smtClean="0"/>
-            <a:t>revelant</a:t>
+            <a:rPr lang="en-US" sz="1800" dirty="0" smtClean="0"/>
+            <a:t>relevant</a:t>
           </a:r>
           <a:endParaRPr lang="en-US" sz="1800" dirty="0"/>
         </a:p>
@@ -1251,22 +1251,22 @@
   </dgm:ptLst>
   <dgm:cxnLst>
     <dgm:cxn modelId="{C04C4CB9-BC91-4E42-AA52-7530A915004A}" type="presOf" srcId="{C3604770-9BFB-4AE1-B866-46DD6398DA00}" destId="{C82C3B18-08B6-4CE3-88ED-648E3F7E00BA}" srcOrd="0" destOrd="0" presId="urn:microsoft.com/office/officeart/2005/8/layout/bProcess3"/>
-    <dgm:cxn modelId="{60A87854-9DF8-4280-9961-D42EF6A82E45}" type="presOf" srcId="{D1429941-5290-497A-AB5A-935DF24AA9CA}" destId="{0F736657-134E-4C4C-BDB6-FE75E48FDC2D}" srcOrd="0" destOrd="0" presId="urn:microsoft.com/office/officeart/2005/8/layout/bProcess3"/>
-    <dgm:cxn modelId="{CBFA523F-91FF-4AAB-8288-24F1875EB0DE}" type="presOf" srcId="{F4E9E209-D58C-4BFE-942B-3FEDBF9708F7}" destId="{BA44ABD0-ED48-4474-B771-245BCB8EED0C}" srcOrd="0" destOrd="0" presId="urn:microsoft.com/office/officeart/2005/8/layout/bProcess3"/>
     <dgm:cxn modelId="{02F97853-C7A3-4A96-B194-2884042639DD}" type="presOf" srcId="{3FE60270-F1F8-4053-9AAD-409B4E7B9783}" destId="{D90BDDDE-2120-4AD7-BBB4-B1CEE5F0C1DF}" srcOrd="1" destOrd="0" presId="urn:microsoft.com/office/officeart/2005/8/layout/bProcess3"/>
     <dgm:cxn modelId="{E31E92BC-77A1-4BEF-95A8-C64601BAB8D3}" type="presOf" srcId="{D1429941-5290-497A-AB5A-935DF24AA9CA}" destId="{23A55A3F-61DD-4E5A-A26B-60778A6E28B9}" srcOrd="1" destOrd="0" presId="urn:microsoft.com/office/officeart/2005/8/layout/bProcess3"/>
+    <dgm:cxn modelId="{CBFA523F-91FF-4AAB-8288-24F1875EB0DE}" type="presOf" srcId="{F4E9E209-D58C-4BFE-942B-3FEDBF9708F7}" destId="{BA44ABD0-ED48-4474-B771-245BCB8EED0C}" srcOrd="0" destOrd="0" presId="urn:microsoft.com/office/officeart/2005/8/layout/bProcess3"/>
+    <dgm:cxn modelId="{60A87854-9DF8-4280-9961-D42EF6A82E45}" type="presOf" srcId="{D1429941-5290-497A-AB5A-935DF24AA9CA}" destId="{0F736657-134E-4C4C-BDB6-FE75E48FDC2D}" srcOrd="0" destOrd="0" presId="urn:microsoft.com/office/officeart/2005/8/layout/bProcess3"/>
     <dgm:cxn modelId="{59277E02-A90B-4430-BC2A-382B8624DC15}" srcId="{F4E9E209-D58C-4BFE-942B-3FEDBF9708F7}" destId="{58F3C7E6-85DE-4F6C-86B8-8ADD2EDEDAA2}" srcOrd="4" destOrd="0" parTransId="{B3D5F29A-33F2-49D6-8B14-D965B980B1FE}" sibTransId="{B9D204DF-ACAA-4AC9-8023-0F16476F9D4D}"/>
     <dgm:cxn modelId="{3CF1073C-4E16-4AC3-92BB-8BDD70546BEA}" srcId="{F4E9E209-D58C-4BFE-942B-3FEDBF9708F7}" destId="{796C7CD1-1333-442B-845F-CA61B8EB7D46}" srcOrd="1" destOrd="0" parTransId="{AD08C47A-7656-4CAD-B00D-6CEDAD3C9016}" sibTransId="{3FE60270-F1F8-4053-9AAD-409B4E7B9783}"/>
     <dgm:cxn modelId="{D000BE7B-E575-46EA-8A74-17E424A588FB}" type="presOf" srcId="{3E8DEB96-88E6-4A3F-84E4-B84CE8F6A851}" destId="{4B30EF9C-5AFE-4750-9158-940E655F1B4A}" srcOrd="1" destOrd="0" presId="urn:microsoft.com/office/officeart/2005/8/layout/bProcess3"/>
     <dgm:cxn modelId="{7CE78C3E-2BDD-4345-837F-58DCA10BB1BE}" type="presOf" srcId="{58F3C7E6-85DE-4F6C-86B8-8ADD2EDEDAA2}" destId="{32428080-D253-4E94-946D-C575DAD45734}" srcOrd="0" destOrd="0" presId="urn:microsoft.com/office/officeart/2005/8/layout/bProcess3"/>
+    <dgm:cxn modelId="{E77A5E3B-AAEA-4F94-9BF7-EAB494680237}" type="presOf" srcId="{3E8DEB96-88E6-4A3F-84E4-B84CE8F6A851}" destId="{DAB9BAE2-88EC-472D-BCEE-F89B782392CE}" srcOrd="0" destOrd="0" presId="urn:microsoft.com/office/officeart/2005/8/layout/bProcess3"/>
     <dgm:cxn modelId="{DB7524A8-3AE5-41FF-85F0-863CC1C69ACB}" type="presOf" srcId="{796C7CD1-1333-442B-845F-CA61B8EB7D46}" destId="{4AB946DC-2D10-4304-A5F4-56962390CA6E}" srcOrd="0" destOrd="0" presId="urn:microsoft.com/office/officeart/2005/8/layout/bProcess3"/>
-    <dgm:cxn modelId="{E77A5E3B-AAEA-4F94-9BF7-EAB494680237}" type="presOf" srcId="{3E8DEB96-88E6-4A3F-84E4-B84CE8F6A851}" destId="{DAB9BAE2-88EC-472D-BCEE-F89B782392CE}" srcOrd="0" destOrd="0" presId="urn:microsoft.com/office/officeart/2005/8/layout/bProcess3"/>
     <dgm:cxn modelId="{6E9A1CA5-E02C-417E-B057-935124ECFCF5}" type="presOf" srcId="{3FE60270-F1F8-4053-9AAD-409B4E7B9783}" destId="{0C42D59A-1E3B-4B97-8E6A-3443B34552A6}" srcOrd="0" destOrd="0" presId="urn:microsoft.com/office/officeart/2005/8/layout/bProcess3"/>
     <dgm:cxn modelId="{086B3F53-0B1B-4C1F-BF8D-C727C1FEDEF7}" srcId="{F4E9E209-D58C-4BFE-942B-3FEDBF9708F7}" destId="{BAD00369-7773-49C9-968F-F449E190DD2D}" srcOrd="0" destOrd="0" parTransId="{8B131897-3075-40D4-8A18-F6CEFE2777DA}" sibTransId="{D1429941-5290-497A-AB5A-935DF24AA9CA}"/>
     <dgm:cxn modelId="{6973F64C-98A2-4693-B894-9E3F8E28EE83}" type="presOf" srcId="{7597335C-5F3C-4B1F-8F97-EE4C170570CD}" destId="{E284E738-A677-46F4-AB1D-F346A1941819}" srcOrd="1" destOrd="0" presId="urn:microsoft.com/office/officeart/2005/8/layout/bProcess3"/>
     <dgm:cxn modelId="{5EEEE392-EDFD-4610-9BDD-473DD4086172}" type="presOf" srcId="{BAD00369-7773-49C9-968F-F449E190DD2D}" destId="{D17B726D-4BF1-4B7A-B01B-F4CFBFFE8E92}" srcOrd="0" destOrd="0" presId="urn:microsoft.com/office/officeart/2005/8/layout/bProcess3"/>
+    <dgm:cxn modelId="{CC10BF2E-EF4A-4319-9295-646F9AD14A25}" type="presOf" srcId="{7215AC10-8056-4C69-9631-0433A5C3F811}" destId="{5B0D999D-EE65-46E9-8790-6F60D78B14B9}" srcOrd="0" destOrd="0" presId="urn:microsoft.com/office/officeart/2005/8/layout/bProcess3"/>
     <dgm:cxn modelId="{8A0CFFDD-DB2C-48FB-97E2-54F8AC508F84}" srcId="{F4E9E209-D58C-4BFE-942B-3FEDBF9708F7}" destId="{C3604770-9BFB-4AE1-B866-46DD6398DA00}" srcOrd="3" destOrd="0" parTransId="{32B72BDC-1FE3-4034-ACCE-EC3F8066F2BB}" sibTransId="{7597335C-5F3C-4B1F-8F97-EE4C170570CD}"/>
-    <dgm:cxn modelId="{CC10BF2E-EF4A-4319-9295-646F9AD14A25}" type="presOf" srcId="{7215AC10-8056-4C69-9631-0433A5C3F811}" destId="{5B0D999D-EE65-46E9-8790-6F60D78B14B9}" srcOrd="0" destOrd="0" presId="urn:microsoft.com/office/officeart/2005/8/layout/bProcess3"/>
     <dgm:cxn modelId="{2E577547-244A-46BE-8279-147625095776}" type="presOf" srcId="{7597335C-5F3C-4B1F-8F97-EE4C170570CD}" destId="{76174592-9CD7-418B-AB4A-94EDEE13F023}" srcOrd="0" destOrd="0" presId="urn:microsoft.com/office/officeart/2005/8/layout/bProcess3"/>
     <dgm:cxn modelId="{BE580C40-53A6-4A06-87C6-5AB9AF014CC4}" srcId="{F4E9E209-D58C-4BFE-942B-3FEDBF9708F7}" destId="{7215AC10-8056-4C69-9631-0433A5C3F811}" srcOrd="2" destOrd="0" parTransId="{A79A34C9-08B2-4C2F-8187-7E06A86C87C4}" sibTransId="{3E8DEB96-88E6-4A3F-84E4-B84CE8F6A851}"/>
     <dgm:cxn modelId="{16757484-798C-4EAC-9CF4-64DC19CC46C2}" type="presParOf" srcId="{BA44ABD0-ED48-4474-B771-245BCB8EED0C}" destId="{D17B726D-4BF1-4B7A-B01B-F4CFBFFE8E92}" srcOrd="0" destOrd="0" presId="urn:microsoft.com/office/officeart/2005/8/layout/bProcess3"/>
@@ -1612,12 +1612,12 @@
             <a:t>Using fuzzy to compute if </a:t>
           </a:r>
           <a:r>
-            <a:rPr lang="en-US" sz="1800" kern="1200" dirty="0" err="1" smtClean="0"/>
-            <a:t>mathch</a:t>
+            <a:rPr lang="en-US" sz="1800" kern="1200" dirty="0" smtClean="0"/>
+            <a:t>match </a:t>
           </a:r>
           <a:r>
             <a:rPr lang="en-US" sz="1800" kern="1200" dirty="0" smtClean="0"/>
-            <a:t> &gt;= 50%</a:t>
+            <a:t>&gt;= 50%</a:t>
           </a:r>
           <a:endParaRPr lang="en-US" sz="1800" kern="1200" dirty="0"/>
         </a:p>
@@ -1772,8 +1772,8 @@
             </a:spcAft>
           </a:pPr>
           <a:r>
-            <a:rPr lang="en-US" sz="1800" kern="1200" dirty="0" err="1" smtClean="0"/>
-            <a:t>ReduceRedundancy</a:t>
+            <a:rPr lang="en-US" sz="1800" kern="1200" smtClean="0"/>
+            <a:t>Reduce Redundancy</a:t>
           </a:r>
           <a:endParaRPr lang="en-US" sz="1800" kern="1200" dirty="0"/>
         </a:p>
@@ -1938,8 +1938,8 @@
             <a:t>Sort by </a:t>
           </a:r>
           <a:r>
-            <a:rPr lang="en-US" sz="1800" kern="1200" dirty="0" err="1" smtClean="0"/>
-            <a:t>revelant</a:t>
+            <a:rPr lang="en-US" sz="1800" kern="1200" dirty="0" smtClean="0"/>
+            <a:t>relevant</a:t>
           </a:r>
           <a:endParaRPr lang="en-US" sz="1800" kern="1200" dirty="0"/>
         </a:p>
@@ -6390,19 +6390,7 @@
             </a:pPr>
             <a:r>
               <a:rPr lang="en-US" sz="2800" dirty="0" smtClean="0"/>
-              <a:t>Using Fuzzy searching </a:t>
-            </a:r>
-            <a:r>
-              <a:rPr lang="en-US" sz="2800" dirty="0" smtClean="0"/>
-              <a:t>algorithm</a:t>
-            </a:r>
-            <a:r>
-              <a:rPr lang="en-US" sz="2800" dirty="0" smtClean="0"/>
-              <a:t> to find </a:t>
-            </a:r>
-            <a:r>
-              <a:rPr lang="en-US" sz="2800" dirty="0" smtClean="0"/>
-              <a:t>approximate results</a:t>
+              <a:t>Using Fuzzy searching algorithm to find approximate results</a:t>
             </a:r>
           </a:p>
           <a:p>
@@ -6512,7 +6500,7 @@
           <p:nvPr>
             <p:extLst>
               <p:ext uri="{D42A27DB-BD31-4B8C-83A1-F6EECF244321}">
-                <p14:modId xmlns:p14="http://schemas.microsoft.com/office/powerpoint/2010/main" val="3828351423"/>
+                <p14:modId xmlns:p14="http://schemas.microsoft.com/office/powerpoint/2010/main" val="339620523"/>
               </p:ext>
             </p:extLst>
           </p:nvPr>
